--- a/앉아써 팀(대구광역시 맛집데이터 조회시스템).pptx
+++ b/앉아써 팀(대구광역시 맛집데이터 조회시스템).pptx
@@ -4260,13 +4260,34 @@
               <a:buNone/>
             </a:pPr>
             <a:r>
-              <a:rPr lang="ko-KR" altLang="en-US" sz="5000" dirty="0" smtClean="0">
-                <a:latin typeface="나눔고딕 ExtraBold" panose="020D0904000000000000" pitchFamily="50" charset="-127"/>
-                <a:ea typeface="나눔고딕 ExtraBold" panose="020D0904000000000000" pitchFamily="50" charset="-127"/>
-              </a:rPr>
-              <a:t>대구 맛집 조회 시스템</a:t>
-            </a:r>
-            <a:endParaRPr lang="en-US" sz="5000" dirty="0">
+              <a:rPr lang="ko-KR" altLang="en-US" sz="5000" dirty="0" err="1" smtClean="0">
+                <a:latin typeface="나눔고딕 ExtraBold" panose="020D0904000000000000" pitchFamily="50" charset="-127"/>
+                <a:ea typeface="나눔고딕 ExtraBold" panose="020D0904000000000000" pitchFamily="50" charset="-127"/>
+              </a:rPr>
+              <a:t>맛집쓰</a:t>
+            </a:r>
+            <a:r>
+              <a:rPr lang="en-US" altLang="ko-KR" sz="5000" dirty="0" smtClean="0">
+                <a:latin typeface="나눔고딕 ExtraBold" panose="020D0904000000000000" pitchFamily="50" charset="-127"/>
+                <a:ea typeface="나눔고딕 ExtraBold" panose="020D0904000000000000" pitchFamily="50" charset="-127"/>
+              </a:rPr>
+              <a:t>- </a:t>
+            </a:r>
+            <a:r>
+              <a:rPr lang="en-US" altLang="ko-KR" sz="4400" dirty="0" smtClean="0">
+                <a:latin typeface="나눔고딕 ExtraBold" panose="020D0904000000000000" pitchFamily="50" charset="-127"/>
+                <a:ea typeface="나눔고딕 ExtraBold" panose="020D0904000000000000" pitchFamily="50" charset="-127"/>
+              </a:rPr>
+              <a:t>ver.</a:t>
+            </a:r>
+            <a:r>
+              <a:rPr lang="ko-KR" altLang="en-US" sz="4400" dirty="0" smtClean="0">
+                <a:latin typeface="나눔고딕 ExtraBold" panose="020D0904000000000000" pitchFamily="50" charset="-127"/>
+                <a:ea typeface="나눔고딕 ExtraBold" panose="020D0904000000000000" pitchFamily="50" charset="-127"/>
+              </a:rPr>
+              <a:t>대구</a:t>
+            </a:r>
+            <a:endParaRPr lang="en-US" sz="4400" dirty="0">
               <a:latin typeface="나눔고딕 ExtraBold" panose="020D0904000000000000" pitchFamily="50" charset="-127"/>
               <a:ea typeface="나눔고딕 ExtraBold" panose="020D0904000000000000" pitchFamily="50" charset="-127"/>
             </a:endParaRPr>
@@ -11775,22 +11796,7 @@
                 <a:latin typeface="나눔고딕 ExtraBold" panose="020D0904000000000000" pitchFamily="50" charset="-127"/>
                 <a:ea typeface="나눔고딕 ExtraBold" panose="020D0904000000000000" pitchFamily="50" charset="-127"/>
               </a:rPr>
-              <a:t> </a:t>
-            </a:r>
-            <a:r>
-              <a:rPr lang="ko-KR" altLang="en-US" sz="2200" b="1" dirty="0" smtClean="0">
-                <a:ln>
-                  <a:solidFill>
-                    <a:schemeClr val="accent1"/>
-                  </a:solidFill>
-                </a:ln>
-                <a:solidFill>
-                  <a:srgbClr val="66CCFF"/>
-                </a:solidFill>
-                <a:latin typeface="나눔고딕 ExtraBold" panose="020D0904000000000000" pitchFamily="50" charset="-127"/>
-                <a:ea typeface="나눔고딕 ExtraBold" panose="020D0904000000000000" pitchFamily="50" charset="-127"/>
-              </a:rPr>
-              <a:t>이용 소스 </a:t>
+              <a:t> 이용 소스 </a:t>
             </a:r>
             <a:r>
               <a:rPr lang="ko-KR" altLang="en-US" sz="2200" b="1" dirty="0">
@@ -11894,22 +11900,7 @@
                 <a:latin typeface="나눔고딕 ExtraBold" panose="020D0904000000000000" pitchFamily="50" charset="-127"/>
                 <a:ea typeface="나눔고딕 ExtraBold" panose="020D0904000000000000" pitchFamily="50" charset="-127"/>
               </a:rPr>
-              <a:t>akaoAPI</a:t>
-            </a:r>
-            <a:r>
-              <a:rPr lang="en-US" altLang="ko-KR" sz="2200" b="1" dirty="0" err="1" smtClean="0">
-                <a:ln w="12700">
-                  <a:solidFill>
-                    <a:schemeClr val="tx1"/>
-                  </a:solidFill>
-                </a:ln>
-                <a:solidFill>
-                  <a:schemeClr val="bg1"/>
-                </a:solidFill>
-                <a:latin typeface="나눔고딕 ExtraBold" panose="020D0904000000000000" pitchFamily="50" charset="-127"/>
-                <a:ea typeface="나눔고딕 ExtraBold" panose="020D0904000000000000" pitchFamily="50" charset="-127"/>
-              </a:rPr>
-              <a:t>.cs</a:t>
+              <a:t>akaoAPI.cs</a:t>
             </a:r>
             <a:endParaRPr lang="ko-KR" altLang="en-US" sz="2200" b="1" dirty="0">
               <a:ln w="12700">
@@ -12088,17 +12079,7 @@
                 <a:latin typeface="나눔고딕 ExtraBold" panose="020D0904000000000000" pitchFamily="50" charset="-127"/>
                 <a:ea typeface="나눔고딕 ExtraBold" panose="020D0904000000000000" pitchFamily="50" charset="-127"/>
               </a:rPr>
-              <a:t> </a:t>
-            </a:r>
-            <a:r>
-              <a:rPr lang="en-US" altLang="ko-KR" sz="2200" b="1" dirty="0" smtClean="0">
-                <a:ln w="12700">
-                  <a:noFill/>
-                </a:ln>
-                <a:latin typeface="나눔고딕 ExtraBold" panose="020D0904000000000000" pitchFamily="50" charset="-127"/>
-                <a:ea typeface="나눔고딕 ExtraBold" panose="020D0904000000000000" pitchFamily="50" charset="-127"/>
-              </a:rPr>
-              <a:t>: </a:t>
+              <a:t> : </a:t>
             </a:r>
             <a:r>
               <a:rPr lang="en-US" altLang="ko-KR" sz="2200" b="1" dirty="0" err="1" smtClean="0">
@@ -12419,22 +12400,7 @@
                 <a:latin typeface="나눔고딕 ExtraBold" panose="020D0904000000000000" pitchFamily="50" charset="-127"/>
                 <a:ea typeface="나눔고딕 ExtraBold" panose="020D0904000000000000" pitchFamily="50" charset="-127"/>
               </a:rPr>
-              <a:t>4</a:t>
-            </a:r>
-            <a:r>
-              <a:rPr lang="en-US" altLang="ko-KR" sz="2200" b="1" dirty="0" smtClean="0">
-                <a:ln>
-                  <a:solidFill>
-                    <a:schemeClr val="accent1"/>
-                  </a:solidFill>
-                </a:ln>
-                <a:solidFill>
-                  <a:srgbClr val="66CCFF"/>
-                </a:solidFill>
-                <a:latin typeface="나눔고딕 ExtraBold" panose="020D0904000000000000" pitchFamily="50" charset="-127"/>
-                <a:ea typeface="나눔고딕 ExtraBold" panose="020D0904000000000000" pitchFamily="50" charset="-127"/>
-              </a:rPr>
-              <a:t>. </a:t>
+              <a:t>4. </a:t>
             </a:r>
             <a:r>
               <a:rPr lang="ko-KR" altLang="en-US" sz="2200" b="1" dirty="0" smtClean="0">
@@ -12523,22 +12489,7 @@
                 <a:latin typeface="나눔고딕 ExtraBold" panose="020D0904000000000000" pitchFamily="50" charset="-127"/>
                 <a:ea typeface="나눔고딕 ExtraBold" panose="020D0904000000000000" pitchFamily="50" charset="-127"/>
               </a:rPr>
-              <a:t>Login</a:t>
-            </a:r>
-            <a:r>
-              <a:rPr lang="en-US" altLang="ko-KR" sz="2200" b="1" dirty="0" err="1" smtClean="0">
-                <a:ln w="12700">
-                  <a:solidFill>
-                    <a:schemeClr val="tx1"/>
-                  </a:solidFill>
-                </a:ln>
-                <a:solidFill>
-                  <a:schemeClr val="bg1"/>
-                </a:solidFill>
-                <a:latin typeface="나눔고딕 ExtraBold" panose="020D0904000000000000" pitchFamily="50" charset="-127"/>
-                <a:ea typeface="나눔고딕 ExtraBold" panose="020D0904000000000000" pitchFamily="50" charset="-127"/>
-              </a:rPr>
-              <a:t>.cs</a:t>
+              <a:t>Login.cs</a:t>
             </a:r>
             <a:endParaRPr lang="ko-KR" altLang="en-US" sz="2200" b="1" dirty="0">
               <a:ln w="12700">
@@ -12993,22 +12944,7 @@
                 <a:latin typeface="나눔고딕 ExtraBold" panose="020D0904000000000000" pitchFamily="50" charset="-127"/>
                 <a:ea typeface="나눔고딕 ExtraBold" panose="020D0904000000000000" pitchFamily="50" charset="-127"/>
               </a:rPr>
-              <a:t>4</a:t>
-            </a:r>
-            <a:r>
-              <a:rPr lang="en-US" altLang="ko-KR" sz="2200" b="1" dirty="0" smtClean="0">
-                <a:ln>
-                  <a:solidFill>
-                    <a:schemeClr val="accent1"/>
-                  </a:solidFill>
-                </a:ln>
-                <a:solidFill>
-                  <a:srgbClr val="66CCFF"/>
-                </a:solidFill>
-                <a:latin typeface="나눔고딕 ExtraBold" panose="020D0904000000000000" pitchFamily="50" charset="-127"/>
-                <a:ea typeface="나눔고딕 ExtraBold" panose="020D0904000000000000" pitchFamily="50" charset="-127"/>
-              </a:rPr>
-              <a:t>. </a:t>
+              <a:t>4. </a:t>
             </a:r>
             <a:r>
               <a:rPr lang="ko-KR" altLang="en-US" sz="2200" b="1" dirty="0" smtClean="0">
@@ -14395,22 +14331,7 @@
                 <a:latin typeface="나눔고딕 ExtraBold" panose="020D0904000000000000" pitchFamily="50" charset="-127"/>
                 <a:ea typeface="나눔고딕 ExtraBold" panose="020D0904000000000000" pitchFamily="50" charset="-127"/>
               </a:rPr>
-              <a:t>4</a:t>
-            </a:r>
-            <a:r>
-              <a:rPr lang="en-US" altLang="ko-KR" sz="2200" b="1" dirty="0" smtClean="0">
-                <a:ln>
-                  <a:solidFill>
-                    <a:schemeClr val="accent1"/>
-                  </a:solidFill>
-                </a:ln>
-                <a:solidFill>
-                  <a:srgbClr val="66CCFF"/>
-                </a:solidFill>
-                <a:latin typeface="나눔고딕 ExtraBold" panose="020D0904000000000000" pitchFamily="50" charset="-127"/>
-                <a:ea typeface="나눔고딕 ExtraBold" panose="020D0904000000000000" pitchFamily="50" charset="-127"/>
-              </a:rPr>
-              <a:t>. </a:t>
+              <a:t>4. </a:t>
             </a:r>
             <a:r>
               <a:rPr lang="ko-KR" altLang="en-US" sz="2200" b="1" dirty="0" smtClean="0">
@@ -15130,22 +15051,7 @@
                 <a:latin typeface="나눔고딕 ExtraBold" panose="020D0904000000000000" pitchFamily="50" charset="-127"/>
                 <a:ea typeface="나눔고딕 ExtraBold" panose="020D0904000000000000" pitchFamily="50" charset="-127"/>
               </a:rPr>
-              <a:t>Main</a:t>
-            </a:r>
-            <a:r>
-              <a:rPr lang="en-US" altLang="ko-KR" sz="2200" b="1" dirty="0" err="1" smtClean="0">
-                <a:ln w="12700">
-                  <a:solidFill>
-                    <a:schemeClr val="tx1"/>
-                  </a:solidFill>
-                </a:ln>
-                <a:solidFill>
-                  <a:schemeClr val="bg1"/>
-                </a:solidFill>
-                <a:latin typeface="나눔고딕 ExtraBold" panose="020D0904000000000000" pitchFamily="50" charset="-127"/>
-                <a:ea typeface="나눔고딕 ExtraBold" panose="020D0904000000000000" pitchFamily="50" charset="-127"/>
-              </a:rPr>
-              <a:t>Form.cs</a:t>
+              <a:t>MainForm.cs</a:t>
             </a:r>
             <a:endParaRPr lang="ko-KR" altLang="en-US" sz="2200" b="1" dirty="0">
               <a:ln w="12700">
@@ -16658,22 +16564,7 @@
                 <a:latin typeface="나눔고딕 ExtraBold" panose="020D0904000000000000" pitchFamily="50" charset="-127"/>
                 <a:ea typeface="나눔고딕 ExtraBold" panose="020D0904000000000000" pitchFamily="50" charset="-127"/>
               </a:rPr>
-              <a:t>Myplace</a:t>
-            </a:r>
-            <a:r>
-              <a:rPr lang="en-US" altLang="ko-KR" sz="2200" b="1" dirty="0" err="1" smtClean="0">
-                <a:ln w="12700">
-                  <a:solidFill>
-                    <a:schemeClr val="tx1"/>
-                  </a:solidFill>
-                </a:ln>
-                <a:solidFill>
-                  <a:schemeClr val="bg1"/>
-                </a:solidFill>
-                <a:latin typeface="나눔고딕 ExtraBold" panose="020D0904000000000000" pitchFamily="50" charset="-127"/>
-                <a:ea typeface="나눔고딕 ExtraBold" panose="020D0904000000000000" pitchFamily="50" charset="-127"/>
-              </a:rPr>
-              <a:t>.cs</a:t>
+              <a:t>Myplace.cs</a:t>
             </a:r>
             <a:r>
               <a:rPr lang="en-US" altLang="ko-KR" sz="2200" b="1" dirty="0" smtClean="0">
@@ -17114,11 +17005,11 @@
   <p:clrMapOvr>
     <a:masterClrMapping/>
   </p:clrMapOvr>
-  <mc:AlternateContent xmlns:mc="http://schemas.openxmlformats.org/markup-compatibility/2006">
-    <mc:Choice xmlns:p14="http://schemas.microsoft.com/office/powerpoint/2010/main" Requires="p14">
+  <mc:AlternateContent xmlns:mc="http://schemas.openxmlformats.org/markup-compatibility/2006" xmlns:p14="http://schemas.microsoft.com/office/powerpoint/2010/main">
+    <mc:Choice Requires="p14">
       <p:transition p14:dur="10"/>
     </mc:Choice>
-    <mc:Fallback>
+    <mc:Fallback xmlns="">
       <p:transition/>
     </mc:Fallback>
   </mc:AlternateContent>
@@ -17559,11 +17450,11 @@
   <p:clrMapOvr>
     <a:masterClrMapping/>
   </p:clrMapOvr>
-  <mc:AlternateContent xmlns:mc="http://schemas.openxmlformats.org/markup-compatibility/2006">
-    <mc:Choice xmlns:p14="http://schemas.microsoft.com/office/powerpoint/2010/main" Requires="p14">
+  <mc:AlternateContent xmlns:mc="http://schemas.openxmlformats.org/markup-compatibility/2006" xmlns:p14="http://schemas.microsoft.com/office/powerpoint/2010/main">
+    <mc:Choice Requires="p14">
       <p:transition p14:dur="10"/>
     </mc:Choice>
-    <mc:Fallback>
+    <mc:Fallback xmlns="">
       <p:transition/>
     </mc:Fallback>
   </mc:AlternateContent>
@@ -18113,895 +18004,998 @@
       </p:sp>
       <p:grpSp>
         <p:nvGrpSpPr>
-          <p:cNvPr id="9" name="그룹 8"/>
+          <p:cNvPr id="4" name="그룹 3"/>
           <p:cNvGrpSpPr/>
           <p:nvPr/>
         </p:nvGrpSpPr>
         <p:grpSpPr>
           <a:xfrm>
-            <a:off x="1630136" y="1674606"/>
-            <a:ext cx="8931728" cy="3508789"/>
-            <a:chOff x="481754" y="1674606"/>
-            <a:chExt cx="8931728" cy="3508789"/>
+            <a:off x="733245" y="1233577"/>
+            <a:ext cx="10392184" cy="5051797"/>
+            <a:chOff x="733245" y="1233577"/>
+            <a:chExt cx="10392184" cy="5051797"/>
           </a:xfrm>
         </p:grpSpPr>
-        <p:grpSp>
-          <p:nvGrpSpPr>
-            <p:cNvPr id="20" name="그룹 19"/>
-            <p:cNvGrpSpPr/>
+        <p:sp>
+          <p:nvSpPr>
+            <p:cNvPr id="2" name="직사각형 1"/>
+            <p:cNvSpPr/>
             <p:nvPr/>
-          </p:nvGrpSpPr>
-          <p:grpSpPr>
+          </p:nvSpPr>
+          <p:spPr>
             <a:xfrm>
-              <a:off x="7372029" y="1674607"/>
-              <a:ext cx="2041453" cy="3508788"/>
-              <a:chOff x="946239" y="1871456"/>
-              <a:chExt cx="2041453" cy="3508788"/>
+              <a:off x="733245" y="1233577"/>
+              <a:ext cx="5124091" cy="2461413"/>
             </a:xfrm>
-          </p:grpSpPr>
-          <p:sp>
-            <p:nvSpPr>
-              <p:cNvPr id="21" name="직사각형 20"/>
-              <p:cNvSpPr/>
-              <p:nvPr/>
-            </p:nvSpPr>
-            <p:spPr>
-              <a:xfrm>
-                <a:off x="946241" y="1871458"/>
-                <a:ext cx="2041451" cy="3508786"/>
-              </a:xfrm>
-              <a:prstGeom prst="rect">
-                <a:avLst/>
-              </a:prstGeom>
+            <a:prstGeom prst="rect">
+              <a:avLst/>
+            </a:prstGeom>
+            <a:solidFill>
+              <a:schemeClr val="accent1">
+                <a:lumMod val="25000"/>
+                <a:lumOff val="75000"/>
+              </a:schemeClr>
+            </a:solidFill>
+            <a:ln w="28575">
               <a:solidFill>
-                <a:schemeClr val="bg1">
-                  <a:lumMod val="95000"/>
-                </a:schemeClr>
+                <a:schemeClr val="tx1"/>
               </a:solidFill>
-              <a:ln w="28575">
+            </a:ln>
+          </p:spPr>
+          <p:style>
+            <a:lnRef idx="2">
+              <a:schemeClr val="accent1">
+                <a:shade val="50000"/>
+              </a:schemeClr>
+            </a:lnRef>
+            <a:fillRef idx="1">
+              <a:schemeClr val="accent1"/>
+            </a:fillRef>
+            <a:effectRef idx="0">
+              <a:schemeClr val="accent1"/>
+            </a:effectRef>
+            <a:fontRef idx="minor">
+              <a:schemeClr val="lt1"/>
+            </a:fontRef>
+          </p:style>
+          <p:txBody>
+            <a:bodyPr rtlCol="0" anchor="ctr"/>
+            <a:lstStyle/>
+            <a:p>
+              <a:pPr algn="ctr"/>
+              <a:endParaRPr lang="ko-KR" altLang="en-US"/>
+            </a:p>
+          </p:txBody>
+        </p:sp>
+        <p:sp>
+          <p:nvSpPr>
+            <p:cNvPr id="53" name="직사각형 52"/>
+            <p:cNvSpPr/>
+            <p:nvPr/>
+          </p:nvSpPr>
+          <p:spPr>
+            <a:xfrm>
+              <a:off x="733245" y="3823961"/>
+              <a:ext cx="5124091" cy="2461413"/>
+            </a:xfrm>
+            <a:prstGeom prst="rect">
+              <a:avLst/>
+            </a:prstGeom>
+            <a:solidFill>
+              <a:schemeClr val="accent1">
+                <a:lumMod val="25000"/>
+                <a:lumOff val="75000"/>
+              </a:schemeClr>
+            </a:solidFill>
+            <a:ln w="28575">
+              <a:solidFill>
+                <a:schemeClr val="tx1"/>
+              </a:solidFill>
+            </a:ln>
+          </p:spPr>
+          <p:style>
+            <a:lnRef idx="2">
+              <a:schemeClr val="accent1">
+                <a:shade val="50000"/>
+              </a:schemeClr>
+            </a:lnRef>
+            <a:fillRef idx="1">
+              <a:schemeClr val="accent1"/>
+            </a:fillRef>
+            <a:effectRef idx="0">
+              <a:schemeClr val="accent1"/>
+            </a:effectRef>
+            <a:fontRef idx="minor">
+              <a:schemeClr val="lt1"/>
+            </a:fontRef>
+          </p:style>
+          <p:txBody>
+            <a:bodyPr rtlCol="0" anchor="ctr"/>
+            <a:lstStyle/>
+            <a:p>
+              <a:pPr algn="ctr"/>
+              <a:endParaRPr lang="ko-KR" altLang="en-US"/>
+            </a:p>
+          </p:txBody>
+        </p:sp>
+        <p:sp>
+          <p:nvSpPr>
+            <p:cNvPr id="54" name="직사각형 53"/>
+            <p:cNvSpPr/>
+            <p:nvPr/>
+          </p:nvSpPr>
+          <p:spPr>
+            <a:xfrm>
+              <a:off x="6001338" y="1233577"/>
+              <a:ext cx="5124091" cy="2461413"/>
+            </a:xfrm>
+            <a:prstGeom prst="rect">
+              <a:avLst/>
+            </a:prstGeom>
+            <a:solidFill>
+              <a:schemeClr val="accent1">
+                <a:lumMod val="25000"/>
+                <a:lumOff val="75000"/>
+              </a:schemeClr>
+            </a:solidFill>
+            <a:ln w="28575">
+              <a:solidFill>
+                <a:schemeClr val="tx1"/>
+              </a:solidFill>
+            </a:ln>
+          </p:spPr>
+          <p:style>
+            <a:lnRef idx="2">
+              <a:schemeClr val="accent1">
+                <a:shade val="50000"/>
+              </a:schemeClr>
+            </a:lnRef>
+            <a:fillRef idx="1">
+              <a:schemeClr val="accent1"/>
+            </a:fillRef>
+            <a:effectRef idx="0">
+              <a:schemeClr val="accent1"/>
+            </a:effectRef>
+            <a:fontRef idx="minor">
+              <a:schemeClr val="lt1"/>
+            </a:fontRef>
+          </p:style>
+          <p:txBody>
+            <a:bodyPr rtlCol="0" anchor="ctr"/>
+            <a:lstStyle/>
+            <a:p>
+              <a:pPr algn="ctr"/>
+              <a:endParaRPr lang="ko-KR" altLang="en-US"/>
+            </a:p>
+          </p:txBody>
+        </p:sp>
+        <p:sp>
+          <p:nvSpPr>
+            <p:cNvPr id="55" name="직사각형 54"/>
+            <p:cNvSpPr/>
+            <p:nvPr/>
+          </p:nvSpPr>
+          <p:spPr>
+            <a:xfrm>
+              <a:off x="6001338" y="3823961"/>
+              <a:ext cx="5124091" cy="2461413"/>
+            </a:xfrm>
+            <a:prstGeom prst="rect">
+              <a:avLst/>
+            </a:prstGeom>
+            <a:solidFill>
+              <a:schemeClr val="accent1">
+                <a:lumMod val="25000"/>
+                <a:lumOff val="75000"/>
+              </a:schemeClr>
+            </a:solidFill>
+            <a:ln w="28575">
+              <a:solidFill>
+                <a:schemeClr val="tx1"/>
+              </a:solidFill>
+            </a:ln>
+          </p:spPr>
+          <p:style>
+            <a:lnRef idx="2">
+              <a:schemeClr val="accent1">
+                <a:shade val="50000"/>
+              </a:schemeClr>
+            </a:lnRef>
+            <a:fillRef idx="1">
+              <a:schemeClr val="accent1"/>
+            </a:fillRef>
+            <a:effectRef idx="0">
+              <a:schemeClr val="accent1"/>
+            </a:effectRef>
+            <a:fontRef idx="minor">
+              <a:schemeClr val="lt1"/>
+            </a:fontRef>
+          </p:style>
+          <p:txBody>
+            <a:bodyPr rtlCol="0" anchor="ctr"/>
+            <a:lstStyle/>
+            <a:p>
+              <a:pPr algn="ctr"/>
+              <a:endParaRPr lang="ko-KR" altLang="en-US"/>
+            </a:p>
+          </p:txBody>
+        </p:sp>
+      </p:grpSp>
+      <p:pic>
+        <p:nvPicPr>
+          <p:cNvPr id="32" name="그림 31"/>
+          <p:cNvPicPr>
+            <a:picLocks noChangeAspect="1"/>
+          </p:cNvPicPr>
+          <p:nvPr/>
+        </p:nvPicPr>
+        <p:blipFill>
+          <a:blip r:embed="rId2" cstate="print">
+            <a:extLst>
+              <a:ext uri="{28A0092B-C50C-407E-A947-70E740481C1C}">
+                <a14:useLocalDpi xmlns:a14="http://schemas.microsoft.com/office/drawing/2010/main" val="0"/>
+              </a:ext>
+            </a:extLst>
+          </a:blip>
+          <a:stretch>
+            <a:fillRect/>
+          </a:stretch>
+        </p:blipFill>
+        <p:spPr>
+          <a:xfrm>
+            <a:off x="9790929" y="698439"/>
+            <a:ext cx="2188576" cy="2188576"/>
+          </a:xfrm>
+          <a:prstGeom prst="rect">
+            <a:avLst/>
+          </a:prstGeom>
+        </p:spPr>
+      </p:pic>
+      <p:pic>
+        <p:nvPicPr>
+          <p:cNvPr id="34" name="그림 33"/>
+          <p:cNvPicPr>
+            <a:picLocks noChangeAspect="1"/>
+          </p:cNvPicPr>
+          <p:nvPr/>
+        </p:nvPicPr>
+        <p:blipFill>
+          <a:blip r:embed="rId3" cstate="print">
+            <a:extLst>
+              <a:ext uri="{28A0092B-C50C-407E-A947-70E740481C1C}">
+                <a14:useLocalDpi xmlns:a14="http://schemas.microsoft.com/office/drawing/2010/main" val="0"/>
+              </a:ext>
+            </a:extLst>
+          </a:blip>
+          <a:stretch>
+            <a:fillRect/>
+          </a:stretch>
+        </p:blipFill>
+        <p:spPr>
+          <a:xfrm>
+            <a:off x="9956955" y="4837226"/>
+            <a:ext cx="1701760" cy="1701760"/>
+          </a:xfrm>
+          <a:prstGeom prst="rect">
+            <a:avLst/>
+          </a:prstGeom>
+        </p:spPr>
+      </p:pic>
+      <p:pic>
+        <p:nvPicPr>
+          <p:cNvPr id="35" name="그림 34"/>
+          <p:cNvPicPr>
+            <a:picLocks noChangeAspect="1"/>
+          </p:cNvPicPr>
+          <p:nvPr/>
+        </p:nvPicPr>
+        <p:blipFill>
+          <a:blip r:embed="rId4" cstate="print">
+            <a:extLst>
+              <a:ext uri="{28A0092B-C50C-407E-A947-70E740481C1C}">
+                <a14:useLocalDpi xmlns:a14="http://schemas.microsoft.com/office/drawing/2010/main" val="0"/>
+              </a:ext>
+            </a:extLst>
+          </a:blip>
+          <a:stretch>
+            <a:fillRect/>
+          </a:stretch>
+        </p:blipFill>
+        <p:spPr>
+          <a:xfrm>
+            <a:off x="122577" y="4712400"/>
+            <a:ext cx="1834846" cy="1834846"/>
+          </a:xfrm>
+          <a:prstGeom prst="rect">
+            <a:avLst/>
+          </a:prstGeom>
+        </p:spPr>
+      </p:pic>
+      <p:pic>
+        <p:nvPicPr>
+          <p:cNvPr id="33" name="그림 32"/>
+          <p:cNvPicPr>
+            <a:picLocks noChangeAspect="1"/>
+          </p:cNvPicPr>
+          <p:nvPr/>
+        </p:nvPicPr>
+        <p:blipFill>
+          <a:blip r:embed="rId5" cstate="print">
+            <a:extLst>
+              <a:ext uri="{28A0092B-C50C-407E-A947-70E740481C1C}">
+                <a14:useLocalDpi xmlns:a14="http://schemas.microsoft.com/office/drawing/2010/main" val="0"/>
+              </a:ext>
+            </a:extLst>
+          </a:blip>
+          <a:stretch>
+            <a:fillRect/>
+          </a:stretch>
+        </p:blipFill>
+        <p:spPr>
+          <a:xfrm>
+            <a:off x="242456" y="910977"/>
+            <a:ext cx="1714967" cy="1714967"/>
+          </a:xfrm>
+          <a:prstGeom prst="rect">
+            <a:avLst/>
+          </a:prstGeom>
+        </p:spPr>
+      </p:pic>
+      <p:sp>
+        <p:nvSpPr>
+          <p:cNvPr id="14" name="물결 13"/>
+          <p:cNvSpPr/>
+          <p:nvPr/>
+        </p:nvSpPr>
+        <p:spPr>
+          <a:xfrm>
+            <a:off x="1866479" y="1268138"/>
+            <a:ext cx="1724623" cy="621437"/>
+          </a:xfrm>
+          <a:prstGeom prst="wave">
+            <a:avLst/>
+          </a:prstGeom>
+          <a:solidFill>
+            <a:schemeClr val="accent2">
+              <a:lumMod val="20000"/>
+              <a:lumOff val="80000"/>
+            </a:schemeClr>
+          </a:solidFill>
+          <a:ln w="19050">
+            <a:solidFill>
+              <a:schemeClr val="tx1"/>
+            </a:solidFill>
+          </a:ln>
+        </p:spPr>
+        <p:style>
+          <a:lnRef idx="2">
+            <a:schemeClr val="accent1">
+              <a:shade val="50000"/>
+            </a:schemeClr>
+          </a:lnRef>
+          <a:fillRef idx="1">
+            <a:schemeClr val="accent1"/>
+          </a:fillRef>
+          <a:effectRef idx="0">
+            <a:schemeClr val="accent1"/>
+          </a:effectRef>
+          <a:fontRef idx="minor">
+            <a:schemeClr val="lt1"/>
+          </a:fontRef>
+        </p:style>
+        <p:txBody>
+          <a:bodyPr rtlCol="0" anchor="ctr"/>
+          <a:lstStyle/>
+          <a:p>
+            <a:pPr algn="ctr"/>
+            <a:r>
+              <a:rPr lang="ko-KR" altLang="en-US" b="1" dirty="0" smtClean="0">
                 <a:solidFill>
                   <a:schemeClr val="tx1"/>
                 </a:solidFill>
-              </a:ln>
-            </p:spPr>
-            <p:style>
-              <a:lnRef idx="2">
-                <a:schemeClr val="accent1">
-                  <a:shade val="50000"/>
-                </a:schemeClr>
-              </a:lnRef>
-              <a:fillRef idx="1">
-                <a:schemeClr val="accent1"/>
-              </a:fillRef>
-              <a:effectRef idx="0">
-                <a:schemeClr val="accent1"/>
-              </a:effectRef>
-              <a:fontRef idx="minor">
-                <a:schemeClr val="lt1"/>
-              </a:fontRef>
-            </p:style>
-            <p:txBody>
-              <a:bodyPr anchor="ctr"/>
-              <a:lstStyle/>
-              <a:p>
-                <a:pPr algn="ctr">
-                  <a:defRPr/>
-                </a:pPr>
-                <a:endParaRPr lang="ko-KR" altLang="en-US"/>
-              </a:p>
-            </p:txBody>
-          </p:sp>
-          <p:sp>
-            <p:nvSpPr>
-              <p:cNvPr id="22" name="직사각형 21"/>
-              <p:cNvSpPr/>
-              <p:nvPr/>
-            </p:nvSpPr>
-            <p:spPr>
-              <a:xfrm>
-                <a:off x="946239" y="1871456"/>
-                <a:ext cx="2041451" cy="604280"/>
-              </a:xfrm>
-              <a:prstGeom prst="rect">
-                <a:avLst/>
-              </a:prstGeom>
+                <a:latin typeface="나눔고딕 ExtraBold" panose="020D0904000000000000" pitchFamily="50" charset="-127"/>
+                <a:ea typeface="나눔고딕 ExtraBold" panose="020D0904000000000000" pitchFamily="50" charset="-127"/>
+              </a:rPr>
+              <a:t>이 현 오</a:t>
+            </a:r>
+            <a:endParaRPr lang="ko-KR" altLang="en-US" b="1" dirty="0">
               <a:solidFill>
-                <a:schemeClr val="accent1">
-                  <a:lumMod val="25000"/>
-                  <a:lumOff val="75000"/>
-                </a:schemeClr>
+                <a:schemeClr val="tx1"/>
               </a:solidFill>
-              <a:ln w="28575">
+              <a:latin typeface="나눔고딕 ExtraBold" panose="020D0904000000000000" pitchFamily="50" charset="-127"/>
+              <a:ea typeface="나눔고딕 ExtraBold" panose="020D0904000000000000" pitchFamily="50" charset="-127"/>
+            </a:endParaRPr>
+          </a:p>
+        </p:txBody>
+      </p:sp>
+      <p:sp>
+        <p:nvSpPr>
+          <p:cNvPr id="56" name="물결 55"/>
+          <p:cNvSpPr/>
+          <p:nvPr/>
+        </p:nvSpPr>
+        <p:spPr>
+          <a:xfrm>
+            <a:off x="1004167" y="3916836"/>
+            <a:ext cx="1724623" cy="621437"/>
+          </a:xfrm>
+          <a:prstGeom prst="wave">
+            <a:avLst/>
+          </a:prstGeom>
+          <a:solidFill>
+            <a:schemeClr val="accent2">
+              <a:lumMod val="20000"/>
+              <a:lumOff val="80000"/>
+            </a:schemeClr>
+          </a:solidFill>
+          <a:ln w="19050">
+            <a:solidFill>
+              <a:schemeClr val="tx1"/>
+            </a:solidFill>
+          </a:ln>
+        </p:spPr>
+        <p:style>
+          <a:lnRef idx="2">
+            <a:schemeClr val="accent1">
+              <a:shade val="50000"/>
+            </a:schemeClr>
+          </a:lnRef>
+          <a:fillRef idx="1">
+            <a:schemeClr val="accent1"/>
+          </a:fillRef>
+          <a:effectRef idx="0">
+            <a:schemeClr val="accent1"/>
+          </a:effectRef>
+          <a:fontRef idx="minor">
+            <a:schemeClr val="lt1"/>
+          </a:fontRef>
+        </p:style>
+        <p:txBody>
+          <a:bodyPr rtlCol="0" anchor="ctr"/>
+          <a:lstStyle/>
+          <a:p>
+            <a:pPr algn="ctr"/>
+            <a:r>
+              <a:rPr lang="ko-KR" altLang="en-US" b="1" dirty="0">
                 <a:solidFill>
                   <a:schemeClr val="tx1"/>
                 </a:solidFill>
-              </a:ln>
-            </p:spPr>
-            <p:style>
-              <a:lnRef idx="2">
-                <a:schemeClr val="accent1">
-                  <a:shade val="50000"/>
-                </a:schemeClr>
-              </a:lnRef>
-              <a:fillRef idx="1">
-                <a:schemeClr val="accent1"/>
-              </a:fillRef>
-              <a:effectRef idx="0">
-                <a:schemeClr val="accent1"/>
-              </a:effectRef>
-              <a:fontRef idx="minor">
-                <a:schemeClr val="lt1"/>
-              </a:fontRef>
-            </p:style>
-            <p:txBody>
-              <a:bodyPr anchor="ctr"/>
-              <a:lstStyle/>
-              <a:p>
-                <a:pPr algn="ctr">
-                  <a:defRPr/>
-                </a:pPr>
-                <a:endParaRPr lang="ko-KR" altLang="en-US" sz="2500" b="1">
-                  <a:solidFill>
-                    <a:schemeClr val="tx1"/>
-                  </a:solidFill>
-                  <a:latin typeface="나눔고딕"/>
-                  <a:ea typeface="나눔고딕"/>
-                </a:endParaRPr>
-              </a:p>
-            </p:txBody>
-          </p:sp>
-          <p:sp>
-            <p:nvSpPr>
-              <p:cNvPr id="23" name="TextBox 22"/>
-              <p:cNvSpPr txBox="1"/>
-              <p:nvPr/>
-            </p:nvSpPr>
-            <p:spPr>
-              <a:xfrm>
-                <a:off x="1517488" y="1986429"/>
-                <a:ext cx="906018" cy="400110"/>
-              </a:xfrm>
-              <a:prstGeom prst="rect">
-                <a:avLst/>
-              </a:prstGeom>
-              <a:noFill/>
-            </p:spPr>
-            <p:txBody>
-              <a:bodyPr wrap="none">
-                <a:spAutoFit/>
-              </a:bodyPr>
-              <a:lstStyle/>
-              <a:p>
-                <a:pPr algn="ctr">
-                  <a:defRPr/>
-                </a:pPr>
-                <a:r>
-                  <a:rPr lang="ko-KR" altLang="en-US" sz="2000" b="1" dirty="0" err="1" smtClean="0">
-                    <a:latin typeface="나눔고딕"/>
-                    <a:ea typeface="나눔고딕"/>
-                  </a:rPr>
-                  <a:t>최효정</a:t>
-                </a:r>
-                <a:endParaRPr lang="ko-KR" altLang="en-US" sz="2000" b="1" dirty="0">
-                  <a:latin typeface="나눔고딕"/>
-                  <a:ea typeface="나눔고딕"/>
-                </a:endParaRPr>
-              </a:p>
-            </p:txBody>
-          </p:sp>
-        </p:grpSp>
-        <p:grpSp>
-          <p:nvGrpSpPr>
-            <p:cNvPr id="3" name="그룹 2"/>
-            <p:cNvGrpSpPr/>
-            <p:nvPr/>
-          </p:nvGrpSpPr>
-          <p:grpSpPr>
-            <a:xfrm>
-              <a:off x="481754" y="1674606"/>
-              <a:ext cx="2041453" cy="3508788"/>
-              <a:chOff x="946239" y="1871456"/>
-              <a:chExt cx="2041453" cy="3508788"/>
-            </a:xfrm>
-          </p:grpSpPr>
-          <p:sp>
-            <p:nvSpPr>
-              <p:cNvPr id="5" name="직사각형 4"/>
-              <p:cNvSpPr/>
-              <p:nvPr/>
-            </p:nvSpPr>
-            <p:spPr>
-              <a:xfrm>
-                <a:off x="946241" y="1871458"/>
-                <a:ext cx="2041451" cy="3508786"/>
-              </a:xfrm>
-              <a:prstGeom prst="rect">
-                <a:avLst/>
-              </a:prstGeom>
+                <a:latin typeface="나눔고딕 ExtraBold" panose="020D0904000000000000" pitchFamily="50" charset="-127"/>
+                <a:ea typeface="나눔고딕 ExtraBold" panose="020D0904000000000000" pitchFamily="50" charset="-127"/>
+              </a:rPr>
+              <a:t>정 인 혁</a:t>
+            </a:r>
+          </a:p>
+        </p:txBody>
+      </p:sp>
+      <p:sp>
+        <p:nvSpPr>
+          <p:cNvPr id="58" name="물결 57"/>
+          <p:cNvSpPr/>
+          <p:nvPr/>
+        </p:nvSpPr>
+        <p:spPr>
+          <a:xfrm>
+            <a:off x="6173390" y="3920703"/>
+            <a:ext cx="1724623" cy="621437"/>
+          </a:xfrm>
+          <a:prstGeom prst="wave">
+            <a:avLst/>
+          </a:prstGeom>
+          <a:solidFill>
+            <a:schemeClr val="accent2">
+              <a:lumMod val="20000"/>
+              <a:lumOff val="80000"/>
+            </a:schemeClr>
+          </a:solidFill>
+          <a:ln w="19050">
+            <a:solidFill>
+              <a:schemeClr val="tx1"/>
+            </a:solidFill>
+          </a:ln>
+        </p:spPr>
+        <p:style>
+          <a:lnRef idx="2">
+            <a:schemeClr val="accent1">
+              <a:shade val="50000"/>
+            </a:schemeClr>
+          </a:lnRef>
+          <a:fillRef idx="1">
+            <a:schemeClr val="accent1"/>
+          </a:fillRef>
+          <a:effectRef idx="0">
+            <a:schemeClr val="accent1"/>
+          </a:effectRef>
+          <a:fontRef idx="minor">
+            <a:schemeClr val="lt1"/>
+          </a:fontRef>
+        </p:style>
+        <p:txBody>
+          <a:bodyPr rtlCol="0" anchor="ctr"/>
+          <a:lstStyle/>
+          <a:p>
+            <a:pPr algn="ctr"/>
+            <a:r>
+              <a:rPr lang="ko-KR" altLang="en-US" b="1" dirty="0">
+                <a:solidFill>
+                  <a:schemeClr val="tx1"/>
+                </a:solidFill>
+                <a:latin typeface="나눔고딕 ExtraBold" panose="020D0904000000000000" pitchFamily="50" charset="-127"/>
+                <a:ea typeface="나눔고딕 ExtraBold" panose="020D0904000000000000" pitchFamily="50" charset="-127"/>
+              </a:rPr>
+              <a:t>최 효 정</a:t>
+            </a:r>
+          </a:p>
+        </p:txBody>
+      </p:sp>
+      <p:sp>
+        <p:nvSpPr>
+          <p:cNvPr id="59" name="물결 58"/>
+          <p:cNvSpPr/>
+          <p:nvPr/>
+        </p:nvSpPr>
+        <p:spPr>
+          <a:xfrm>
+            <a:off x="6173391" y="1268138"/>
+            <a:ext cx="1724623" cy="621437"/>
+          </a:xfrm>
+          <a:prstGeom prst="wave">
+            <a:avLst/>
+          </a:prstGeom>
+          <a:solidFill>
+            <a:schemeClr val="accent2">
+              <a:lumMod val="20000"/>
+              <a:lumOff val="80000"/>
+            </a:schemeClr>
+          </a:solidFill>
+          <a:ln w="19050">
+            <a:solidFill>
+              <a:schemeClr val="tx1"/>
+            </a:solidFill>
+          </a:ln>
+        </p:spPr>
+        <p:style>
+          <a:lnRef idx="2">
+            <a:schemeClr val="accent1">
+              <a:shade val="50000"/>
+            </a:schemeClr>
+          </a:lnRef>
+          <a:fillRef idx="1">
+            <a:schemeClr val="accent1"/>
+          </a:fillRef>
+          <a:effectRef idx="0">
+            <a:schemeClr val="accent1"/>
+          </a:effectRef>
+          <a:fontRef idx="minor">
+            <a:schemeClr val="lt1"/>
+          </a:fontRef>
+        </p:style>
+        <p:txBody>
+          <a:bodyPr rtlCol="0" anchor="ctr"/>
+          <a:lstStyle/>
+          <a:p>
+            <a:pPr algn="ctr"/>
+            <a:r>
+              <a:rPr lang="ko-KR" altLang="en-US" b="1" dirty="0">
+                <a:solidFill>
+                  <a:schemeClr val="tx1"/>
+                </a:solidFill>
+                <a:latin typeface="나눔고딕 ExtraBold" panose="020D0904000000000000" pitchFamily="50" charset="-127"/>
+                <a:ea typeface="나눔고딕 ExtraBold" panose="020D0904000000000000" pitchFamily="50" charset="-127"/>
+              </a:rPr>
+              <a:t>장 광 수</a:t>
+            </a:r>
+          </a:p>
+        </p:txBody>
+      </p:sp>
+      <p:sp>
+        <p:nvSpPr>
+          <p:cNvPr id="62" name="타원형 설명선 61"/>
+          <p:cNvSpPr/>
+          <p:nvPr/>
+        </p:nvSpPr>
+        <p:spPr>
+          <a:xfrm>
+            <a:off x="6072996" y="1996795"/>
+            <a:ext cx="4097547" cy="1573554"/>
+          </a:xfrm>
+          <a:prstGeom prst="wedgeEllipseCallout">
+            <a:avLst>
+              <a:gd name="adj1" fmla="val 51439"/>
+              <a:gd name="adj2" fmla="val -43541"/>
+            </a:avLst>
+          </a:prstGeom>
+          <a:solidFill>
+            <a:schemeClr val="bg1"/>
+          </a:solidFill>
+          <a:ln>
+            <a:solidFill>
+              <a:schemeClr val="tx1"/>
+            </a:solidFill>
+          </a:ln>
+        </p:spPr>
+        <p:style>
+          <a:lnRef idx="2">
+            <a:schemeClr val="accent1">
+              <a:shade val="50000"/>
+            </a:schemeClr>
+          </a:lnRef>
+          <a:fillRef idx="1">
+            <a:schemeClr val="accent1"/>
+          </a:fillRef>
+          <a:effectRef idx="0">
+            <a:schemeClr val="accent1"/>
+          </a:effectRef>
+          <a:fontRef idx="minor">
+            <a:schemeClr val="lt1"/>
+          </a:fontRef>
+        </p:style>
+        <p:txBody>
+          <a:bodyPr rtlCol="0" anchor="ctr"/>
+          <a:lstStyle/>
+          <a:p>
+            <a:pPr algn="ctr"/>
+            <a:r>
+              <a:rPr lang="en-US" altLang="ko-KR" sz="1500" dirty="0" smtClean="0">
+                <a:solidFill>
+                  <a:schemeClr val="tx1"/>
+                </a:solidFill>
+                <a:latin typeface="나눔고딕 ExtraBold" panose="020D0904000000000000" pitchFamily="50" charset="-127"/>
+                <a:ea typeface="나눔고딕 ExtraBold" panose="020D0904000000000000" pitchFamily="50" charset="-127"/>
+              </a:rPr>
+              <a:t> </a:t>
+            </a:r>
+            <a:r>
+              <a:rPr lang="ko-KR" altLang="en-US" sz="1500" dirty="0" smtClean="0">
+                <a:solidFill>
+                  <a:schemeClr val="tx1"/>
+                </a:solidFill>
+                <a:latin typeface="나눔고딕 ExtraBold" panose="020D0904000000000000" pitchFamily="50" charset="-127"/>
+                <a:ea typeface="나눔고딕 ExtraBold" panose="020D0904000000000000" pitchFamily="50" charset="-127"/>
+              </a:rPr>
+              <a:t>프로젝트를 통해 </a:t>
+            </a:r>
+            <a:r>
+              <a:rPr lang="en-US" altLang="ko-KR" sz="1500" dirty="0" smtClean="0">
+                <a:solidFill>
+                  <a:schemeClr val="tx1"/>
+                </a:solidFill>
+                <a:latin typeface="나눔고딕 ExtraBold" panose="020D0904000000000000" pitchFamily="50" charset="-127"/>
+                <a:ea typeface="나눔고딕 ExtraBold" panose="020D0904000000000000" pitchFamily="50" charset="-127"/>
+              </a:rPr>
+              <a:t>C</a:t>
+            </a:r>
+            <a:r>
+              <a:rPr lang="en-US" altLang="ko-KR" sz="1500" dirty="0">
+                <a:solidFill>
+                  <a:schemeClr val="tx1"/>
+                </a:solidFill>
+                <a:latin typeface="나눔고딕 ExtraBold" panose="020D0904000000000000" pitchFamily="50" charset="-127"/>
+                <a:ea typeface="나눔고딕 ExtraBold" panose="020D0904000000000000" pitchFamily="50" charset="-127"/>
+              </a:rPr>
+              <a:t>#</a:t>
+            </a:r>
+            <a:r>
+              <a:rPr lang="ko-KR" altLang="en-US" sz="1500" dirty="0">
+                <a:solidFill>
+                  <a:schemeClr val="tx1"/>
+                </a:solidFill>
+                <a:latin typeface="나눔고딕 ExtraBold" panose="020D0904000000000000" pitchFamily="50" charset="-127"/>
+                <a:ea typeface="나눔고딕 ExtraBold" panose="020D0904000000000000" pitchFamily="50" charset="-127"/>
+              </a:rPr>
+              <a:t>의 </a:t>
+            </a:r>
+            <a:r>
+              <a:rPr lang="ko-KR" altLang="en-US" sz="1500" dirty="0" err="1" smtClean="0">
+                <a:solidFill>
+                  <a:schemeClr val="tx1"/>
+                </a:solidFill>
+                <a:latin typeface="나눔고딕 ExtraBold" panose="020D0904000000000000" pitchFamily="50" charset="-127"/>
+                <a:ea typeface="나눔고딕 ExtraBold" panose="020D0904000000000000" pitchFamily="50" charset="-127"/>
+              </a:rPr>
+              <a:t>객체지향적</a:t>
+            </a:r>
+            <a:r>
+              <a:rPr lang="ko-KR" altLang="en-US" sz="1500" dirty="0" smtClean="0">
+                <a:solidFill>
+                  <a:schemeClr val="tx1"/>
+                </a:solidFill>
+                <a:latin typeface="나눔고딕 ExtraBold" panose="020D0904000000000000" pitchFamily="50" charset="-127"/>
+                <a:ea typeface="나눔고딕 ExtraBold" panose="020D0904000000000000" pitchFamily="50" charset="-127"/>
+              </a:rPr>
+              <a:t> 특성을 활용하여 </a:t>
+            </a:r>
+            <a:r>
+              <a:rPr lang="ko-KR" altLang="en-US" sz="1500" dirty="0">
+                <a:solidFill>
+                  <a:schemeClr val="tx1"/>
+                </a:solidFill>
+                <a:latin typeface="나눔고딕 ExtraBold" panose="020D0904000000000000" pitchFamily="50" charset="-127"/>
+                <a:ea typeface="나눔고딕 ExtraBold" panose="020D0904000000000000" pitchFamily="50" charset="-127"/>
+              </a:rPr>
+              <a:t>효율적이고 모듈화된 코드를 작성하는 법에 대한 이해를 높일 수 있었습니다</a:t>
+            </a:r>
+            <a:r>
+              <a:rPr lang="en-US" altLang="ko-KR" sz="1500" dirty="0">
+                <a:solidFill>
+                  <a:schemeClr val="tx1"/>
+                </a:solidFill>
+                <a:latin typeface="나눔고딕 ExtraBold" panose="020D0904000000000000" pitchFamily="50" charset="-127"/>
+                <a:ea typeface="나눔고딕 ExtraBold" panose="020D0904000000000000" pitchFamily="50" charset="-127"/>
+              </a:rPr>
+              <a:t>.</a:t>
+            </a:r>
+            <a:endParaRPr lang="ko-KR" altLang="en-US" sz="1500" b="1" dirty="0">
               <a:solidFill>
-                <a:schemeClr val="bg1">
-                  <a:lumMod val="95000"/>
-                </a:schemeClr>
+                <a:schemeClr val="tx1"/>
               </a:solidFill>
-              <a:ln w="28575">
+              <a:latin typeface="나눔고딕 ExtraBold" panose="020D0904000000000000" pitchFamily="50" charset="-127"/>
+              <a:ea typeface="나눔고딕 ExtraBold" panose="020D0904000000000000" pitchFamily="50" charset="-127"/>
+            </a:endParaRPr>
+          </a:p>
+        </p:txBody>
+      </p:sp>
+      <p:sp>
+        <p:nvSpPr>
+          <p:cNvPr id="21" name="타원형 설명선 20"/>
+          <p:cNvSpPr/>
+          <p:nvPr/>
+        </p:nvSpPr>
+        <p:spPr>
+          <a:xfrm>
+            <a:off x="1542328" y="1996795"/>
+            <a:ext cx="4097547" cy="1573554"/>
+          </a:xfrm>
+          <a:prstGeom prst="wedgeEllipseCallout">
+            <a:avLst>
+              <a:gd name="adj1" fmla="val -45614"/>
+              <a:gd name="adj2" fmla="val -45186"/>
+            </a:avLst>
+          </a:prstGeom>
+          <a:solidFill>
+            <a:schemeClr val="bg1"/>
+          </a:solidFill>
+          <a:ln>
+            <a:solidFill>
+              <a:schemeClr val="tx1"/>
+            </a:solidFill>
+          </a:ln>
+        </p:spPr>
+        <p:style>
+          <a:lnRef idx="2">
+            <a:schemeClr val="accent1">
+              <a:shade val="50000"/>
+            </a:schemeClr>
+          </a:lnRef>
+          <a:fillRef idx="1">
+            <a:schemeClr val="accent1"/>
+          </a:fillRef>
+          <a:effectRef idx="0">
+            <a:schemeClr val="accent1"/>
+          </a:effectRef>
+          <a:fontRef idx="minor">
+            <a:schemeClr val="lt1"/>
+          </a:fontRef>
+        </p:style>
+        <p:txBody>
+          <a:bodyPr rtlCol="0" anchor="ctr"/>
+          <a:lstStyle/>
+          <a:p>
+            <a:pPr algn="ctr"/>
+            <a:r>
+              <a:rPr lang="en-US" altLang="ko-KR" sz="1500" smtClean="0">
                 <a:solidFill>
                   <a:schemeClr val="tx1"/>
                 </a:solidFill>
-              </a:ln>
-            </p:spPr>
-            <p:style>
-              <a:lnRef idx="2">
-                <a:schemeClr val="accent1">
-                  <a:shade val="50000"/>
-                </a:schemeClr>
-              </a:lnRef>
-              <a:fillRef idx="1">
-                <a:schemeClr val="accent1"/>
-              </a:fillRef>
-              <a:effectRef idx="0">
-                <a:schemeClr val="accent1"/>
-              </a:effectRef>
-              <a:fontRef idx="minor">
-                <a:schemeClr val="lt1"/>
-              </a:fontRef>
-            </p:style>
-            <p:txBody>
-              <a:bodyPr anchor="ctr"/>
-              <a:lstStyle/>
-              <a:p>
-                <a:pPr algn="ctr">
-                  <a:defRPr/>
-                </a:pPr>
-                <a:endParaRPr lang="ko-KR" altLang="en-US"/>
-              </a:p>
-            </p:txBody>
-          </p:sp>
-          <p:sp>
-            <p:nvSpPr>
-              <p:cNvPr id="6" name="직사각형 5"/>
-              <p:cNvSpPr/>
-              <p:nvPr/>
-            </p:nvSpPr>
-            <p:spPr>
-              <a:xfrm>
-                <a:off x="946239" y="1871456"/>
-                <a:ext cx="2041451" cy="604280"/>
-              </a:xfrm>
-              <a:prstGeom prst="rect">
-                <a:avLst/>
-              </a:prstGeom>
+                <a:latin typeface="나눔고딕 ExtraBold" panose="020D0904000000000000" pitchFamily="50" charset="-127"/>
+                <a:ea typeface="나눔고딕 ExtraBold" panose="020D0904000000000000" pitchFamily="50" charset="-127"/>
+              </a:rPr>
+              <a:t> </a:t>
+            </a:r>
+            <a:r>
+              <a:rPr lang="ko-KR" altLang="en-US" sz="1500" smtClean="0">
+                <a:solidFill>
+                  <a:schemeClr val="tx1"/>
+                </a:solidFill>
+                <a:latin typeface="나눔고딕 ExtraBold" panose="020D0904000000000000" pitchFamily="50" charset="-127"/>
+                <a:ea typeface="나눔고딕 ExtraBold" panose="020D0904000000000000" pitchFamily="50" charset="-127"/>
+              </a:rPr>
+              <a:t>ㄹㅇ</a:t>
+            </a:r>
+            <a:r>
+              <a:rPr lang="en-US" altLang="ko-KR" sz="1500" smtClean="0">
+                <a:solidFill>
+                  <a:schemeClr val="tx1"/>
+                </a:solidFill>
+                <a:latin typeface="나눔고딕 ExtraBold" panose="020D0904000000000000" pitchFamily="50" charset="-127"/>
+                <a:ea typeface="나눔고딕 ExtraBold" panose="020D0904000000000000" pitchFamily="50" charset="-127"/>
+              </a:rPr>
+              <a:t>.</a:t>
+            </a:r>
+            <a:endParaRPr lang="ko-KR" altLang="en-US" sz="1500" b="1" dirty="0">
               <a:solidFill>
-                <a:schemeClr val="accent1">
-                  <a:lumMod val="25000"/>
-                  <a:lumOff val="75000"/>
-                </a:schemeClr>
+                <a:schemeClr val="tx1"/>
               </a:solidFill>
-              <a:ln w="28575">
+              <a:latin typeface="나눔고딕 ExtraBold" panose="020D0904000000000000" pitchFamily="50" charset="-127"/>
+              <a:ea typeface="나눔고딕 ExtraBold" panose="020D0904000000000000" pitchFamily="50" charset="-127"/>
+            </a:endParaRPr>
+          </a:p>
+        </p:txBody>
+      </p:sp>
+      <p:sp>
+        <p:nvSpPr>
+          <p:cNvPr id="22" name="타원형 설명선 21"/>
+          <p:cNvSpPr/>
+          <p:nvPr/>
+        </p:nvSpPr>
+        <p:spPr>
+          <a:xfrm>
+            <a:off x="1654471" y="4581550"/>
+            <a:ext cx="4097547" cy="1573554"/>
+          </a:xfrm>
+          <a:prstGeom prst="wedgeEllipseCallout">
+            <a:avLst>
+              <a:gd name="adj1" fmla="val -53403"/>
+              <a:gd name="adj2" fmla="val 14021"/>
+            </a:avLst>
+          </a:prstGeom>
+          <a:solidFill>
+            <a:schemeClr val="bg1"/>
+          </a:solidFill>
+          <a:ln>
+            <a:solidFill>
+              <a:schemeClr val="tx1"/>
+            </a:solidFill>
+          </a:ln>
+        </p:spPr>
+        <p:style>
+          <a:lnRef idx="2">
+            <a:schemeClr val="accent1">
+              <a:shade val="50000"/>
+            </a:schemeClr>
+          </a:lnRef>
+          <a:fillRef idx="1">
+            <a:schemeClr val="accent1"/>
+          </a:fillRef>
+          <a:effectRef idx="0">
+            <a:schemeClr val="accent1"/>
+          </a:effectRef>
+          <a:fontRef idx="minor">
+            <a:schemeClr val="lt1"/>
+          </a:fontRef>
+        </p:style>
+        <p:txBody>
+          <a:bodyPr rtlCol="0" anchor="ctr"/>
+          <a:lstStyle/>
+          <a:p>
+            <a:pPr algn="ctr"/>
+            <a:r>
+              <a:rPr lang="en-US" altLang="ko-KR" sz="1500" dirty="0" smtClean="0">
                 <a:solidFill>
                   <a:schemeClr val="tx1"/>
                 </a:solidFill>
-              </a:ln>
-            </p:spPr>
-            <p:style>
-              <a:lnRef idx="2">
-                <a:schemeClr val="accent1">
-                  <a:shade val="50000"/>
-                </a:schemeClr>
-              </a:lnRef>
-              <a:fillRef idx="1">
-                <a:schemeClr val="accent1"/>
-              </a:fillRef>
-              <a:effectRef idx="0">
-                <a:schemeClr val="accent1"/>
-              </a:effectRef>
-              <a:fontRef idx="minor">
-                <a:schemeClr val="lt1"/>
-              </a:fontRef>
-            </p:style>
-            <p:txBody>
-              <a:bodyPr anchor="ctr"/>
-              <a:lstStyle/>
-              <a:p>
-                <a:pPr algn="ctr">
-                  <a:defRPr/>
-                </a:pPr>
-                <a:endParaRPr lang="ko-KR" altLang="en-US" sz="2500" b="1">
-                  <a:solidFill>
-                    <a:schemeClr val="tx1"/>
-                  </a:solidFill>
-                  <a:latin typeface="나눔고딕"/>
-                  <a:ea typeface="나눔고딕"/>
-                </a:endParaRPr>
-              </a:p>
-            </p:txBody>
-          </p:sp>
-          <p:sp>
-            <p:nvSpPr>
-              <p:cNvPr id="7" name="TextBox 6"/>
-              <p:cNvSpPr txBox="1"/>
-              <p:nvPr/>
-            </p:nvSpPr>
-            <p:spPr>
-              <a:xfrm>
-                <a:off x="1516427" y="1986429"/>
-                <a:ext cx="906018" cy="400110"/>
-              </a:xfrm>
-              <a:prstGeom prst="rect">
-                <a:avLst/>
-              </a:prstGeom>
-              <a:noFill/>
-            </p:spPr>
-            <p:txBody>
-              <a:bodyPr wrap="none">
-                <a:spAutoFit/>
-              </a:bodyPr>
-              <a:lstStyle/>
-              <a:p>
-                <a:pPr algn="ctr">
-                  <a:defRPr/>
-                </a:pPr>
-                <a:r>
-                  <a:rPr lang="ko-KR" altLang="en-US" sz="2000" b="1" dirty="0" err="1" smtClean="0">
-                    <a:latin typeface="나눔고딕"/>
-                    <a:ea typeface="나눔고딕"/>
-                  </a:rPr>
-                  <a:t>이현오</a:t>
-                </a:r>
-                <a:endParaRPr lang="ko-KR" altLang="en-US" sz="2000" b="1" dirty="0">
-                  <a:latin typeface="나눔고딕"/>
-                  <a:ea typeface="나눔고딕"/>
-                </a:endParaRPr>
-              </a:p>
-            </p:txBody>
-          </p:sp>
-        </p:grpSp>
-        <p:grpSp>
-          <p:nvGrpSpPr>
-            <p:cNvPr id="10" name="그룹 9"/>
-            <p:cNvGrpSpPr/>
-            <p:nvPr/>
-          </p:nvGrpSpPr>
-          <p:grpSpPr>
-            <a:xfrm>
-              <a:off x="2778514" y="1674606"/>
-              <a:ext cx="2041453" cy="3508788"/>
-              <a:chOff x="946239" y="1871456"/>
-              <a:chExt cx="2041453" cy="3508788"/>
-            </a:xfrm>
-          </p:grpSpPr>
-          <p:sp>
-            <p:nvSpPr>
-              <p:cNvPr id="11" name="직사각형 10"/>
-              <p:cNvSpPr/>
-              <p:nvPr/>
-            </p:nvSpPr>
-            <p:spPr>
-              <a:xfrm>
-                <a:off x="946241" y="1871458"/>
-                <a:ext cx="2041451" cy="3508786"/>
-              </a:xfrm>
-              <a:prstGeom prst="rect">
-                <a:avLst/>
-              </a:prstGeom>
+                <a:latin typeface="나눔고딕 ExtraBold" panose="020D0904000000000000" pitchFamily="50" charset="-127"/>
+                <a:ea typeface="나눔고딕 ExtraBold" panose="020D0904000000000000" pitchFamily="50" charset="-127"/>
+              </a:rPr>
+              <a:t> </a:t>
+            </a:r>
+            <a:r>
+              <a:rPr lang="ko-KR" altLang="en-US" sz="1500" dirty="0" err="1" smtClean="0">
+                <a:solidFill>
+                  <a:schemeClr val="tx1"/>
+                </a:solidFill>
+                <a:latin typeface="나눔고딕 ExtraBold" panose="020D0904000000000000" pitchFamily="50" charset="-127"/>
+                <a:ea typeface="나눔고딕 ExtraBold" panose="020D0904000000000000" pitchFamily="50" charset="-127"/>
+              </a:rPr>
+              <a:t>ㄹㅇ</a:t>
+            </a:r>
+            <a:r>
+              <a:rPr lang="en-US" altLang="ko-KR" sz="1500" dirty="0" smtClean="0">
+                <a:solidFill>
+                  <a:schemeClr val="tx1"/>
+                </a:solidFill>
+                <a:latin typeface="나눔고딕 ExtraBold" panose="020D0904000000000000" pitchFamily="50" charset="-127"/>
+                <a:ea typeface="나눔고딕 ExtraBold" panose="020D0904000000000000" pitchFamily="50" charset="-127"/>
+              </a:rPr>
+              <a:t>.</a:t>
+            </a:r>
+            <a:endParaRPr lang="ko-KR" altLang="en-US" sz="1500" b="1" dirty="0">
               <a:solidFill>
-                <a:schemeClr val="bg1">
-                  <a:lumMod val="95000"/>
-                </a:schemeClr>
+                <a:schemeClr val="tx1"/>
               </a:solidFill>
-              <a:ln w="28575">
+              <a:latin typeface="나눔고딕 ExtraBold" panose="020D0904000000000000" pitchFamily="50" charset="-127"/>
+              <a:ea typeface="나눔고딕 ExtraBold" panose="020D0904000000000000" pitchFamily="50" charset="-127"/>
+            </a:endParaRPr>
+          </a:p>
+        </p:txBody>
+      </p:sp>
+      <p:sp>
+        <p:nvSpPr>
+          <p:cNvPr id="23" name="타원형 설명선 22"/>
+          <p:cNvSpPr/>
+          <p:nvPr/>
+        </p:nvSpPr>
+        <p:spPr>
+          <a:xfrm>
+            <a:off x="6057042" y="4581550"/>
+            <a:ext cx="4097547" cy="1573554"/>
+          </a:xfrm>
+          <a:prstGeom prst="wedgeEllipseCallout">
+            <a:avLst>
+              <a:gd name="adj1" fmla="val 51860"/>
+              <a:gd name="adj2" fmla="val 41980"/>
+            </a:avLst>
+          </a:prstGeom>
+          <a:solidFill>
+            <a:schemeClr val="bg1"/>
+          </a:solidFill>
+          <a:ln>
+            <a:solidFill>
+              <a:schemeClr val="tx1"/>
+            </a:solidFill>
+          </a:ln>
+        </p:spPr>
+        <p:style>
+          <a:lnRef idx="2">
+            <a:schemeClr val="accent1">
+              <a:shade val="50000"/>
+            </a:schemeClr>
+          </a:lnRef>
+          <a:fillRef idx="1">
+            <a:schemeClr val="accent1"/>
+          </a:fillRef>
+          <a:effectRef idx="0">
+            <a:schemeClr val="accent1"/>
+          </a:effectRef>
+          <a:fontRef idx="minor">
+            <a:schemeClr val="lt1"/>
+          </a:fontRef>
+        </p:style>
+        <p:txBody>
+          <a:bodyPr rtlCol="0" anchor="ctr"/>
+          <a:lstStyle/>
+          <a:p>
+            <a:pPr algn="ctr"/>
+            <a:r>
+              <a:rPr lang="en-US" altLang="ko-KR" sz="1500" dirty="0" smtClean="0">
                 <a:solidFill>
                   <a:schemeClr val="tx1"/>
                 </a:solidFill>
-              </a:ln>
-            </p:spPr>
-            <p:style>
-              <a:lnRef idx="2">
-                <a:schemeClr val="accent1">
-                  <a:shade val="50000"/>
-                </a:schemeClr>
-              </a:lnRef>
-              <a:fillRef idx="1">
-                <a:schemeClr val="accent1"/>
-              </a:fillRef>
-              <a:effectRef idx="0">
-                <a:schemeClr val="accent1"/>
-              </a:effectRef>
-              <a:fontRef idx="minor">
-                <a:schemeClr val="lt1"/>
-              </a:fontRef>
-            </p:style>
-            <p:txBody>
-              <a:bodyPr anchor="ctr"/>
-              <a:lstStyle/>
-              <a:p>
-                <a:pPr algn="ctr">
-                  <a:defRPr/>
-                </a:pPr>
-                <a:endParaRPr lang="ko-KR" altLang="en-US"/>
-              </a:p>
-            </p:txBody>
-          </p:sp>
-          <p:sp>
-            <p:nvSpPr>
-              <p:cNvPr id="12" name="직사각형 11"/>
-              <p:cNvSpPr/>
-              <p:nvPr/>
-            </p:nvSpPr>
-            <p:spPr>
-              <a:xfrm>
-                <a:off x="946239" y="1871456"/>
-                <a:ext cx="2041451" cy="604280"/>
-              </a:xfrm>
-              <a:prstGeom prst="rect">
-                <a:avLst/>
-              </a:prstGeom>
+                <a:latin typeface="나눔고딕 ExtraBold" panose="020D0904000000000000" pitchFamily="50" charset="-127"/>
+                <a:ea typeface="나눔고딕 ExtraBold" panose="020D0904000000000000" pitchFamily="50" charset="-127"/>
+              </a:rPr>
+              <a:t> </a:t>
+            </a:r>
+            <a:r>
+              <a:rPr lang="ko-KR" altLang="en-US" sz="1500" dirty="0" err="1" smtClean="0">
+                <a:solidFill>
+                  <a:schemeClr val="tx1"/>
+                </a:solidFill>
+                <a:latin typeface="나눔고딕 ExtraBold" panose="020D0904000000000000" pitchFamily="50" charset="-127"/>
+                <a:ea typeface="나눔고딕 ExtraBold" panose="020D0904000000000000" pitchFamily="50" charset="-127"/>
+              </a:rPr>
+              <a:t>ㄹㅇ</a:t>
+            </a:r>
+            <a:r>
+              <a:rPr lang="en-US" altLang="ko-KR" sz="1500" dirty="0" smtClean="0">
+                <a:solidFill>
+                  <a:schemeClr val="tx1"/>
+                </a:solidFill>
+                <a:latin typeface="나눔고딕 ExtraBold" panose="020D0904000000000000" pitchFamily="50" charset="-127"/>
+                <a:ea typeface="나눔고딕 ExtraBold" panose="020D0904000000000000" pitchFamily="50" charset="-127"/>
+              </a:rPr>
+              <a:t>.</a:t>
+            </a:r>
+            <a:endParaRPr lang="ko-KR" altLang="en-US" sz="1500" b="1" dirty="0">
               <a:solidFill>
-                <a:schemeClr val="accent1">
-                  <a:lumMod val="25000"/>
-                  <a:lumOff val="75000"/>
-                </a:schemeClr>
+                <a:schemeClr val="tx1"/>
               </a:solidFill>
-              <a:ln w="28575">
-                <a:solidFill>
-                  <a:schemeClr val="tx1"/>
-                </a:solidFill>
-              </a:ln>
-            </p:spPr>
-            <p:style>
-              <a:lnRef idx="2">
-                <a:schemeClr val="accent1">
-                  <a:shade val="50000"/>
-                </a:schemeClr>
-              </a:lnRef>
-              <a:fillRef idx="1">
-                <a:schemeClr val="accent1"/>
-              </a:fillRef>
-              <a:effectRef idx="0">
-                <a:schemeClr val="accent1"/>
-              </a:effectRef>
-              <a:fontRef idx="minor">
-                <a:schemeClr val="lt1"/>
-              </a:fontRef>
-            </p:style>
-            <p:txBody>
-              <a:bodyPr anchor="ctr"/>
-              <a:lstStyle/>
-              <a:p>
-                <a:pPr algn="ctr">
-                  <a:defRPr/>
-                </a:pPr>
-                <a:endParaRPr lang="ko-KR" altLang="en-US" sz="2500" b="1">
-                  <a:solidFill>
-                    <a:schemeClr val="tx1"/>
-                  </a:solidFill>
-                  <a:latin typeface="나눔고딕"/>
-                  <a:ea typeface="나눔고딕"/>
-                </a:endParaRPr>
-              </a:p>
-            </p:txBody>
-          </p:sp>
-          <p:sp>
-            <p:nvSpPr>
-              <p:cNvPr id="13" name="TextBox 12"/>
-              <p:cNvSpPr txBox="1"/>
-              <p:nvPr/>
-            </p:nvSpPr>
-            <p:spPr>
-              <a:xfrm>
-                <a:off x="1515192" y="1986429"/>
-                <a:ext cx="906018" cy="400110"/>
-              </a:xfrm>
-              <a:prstGeom prst="rect">
-                <a:avLst/>
-              </a:prstGeom>
-              <a:noFill/>
-            </p:spPr>
-            <p:txBody>
-              <a:bodyPr wrap="none">
-                <a:spAutoFit/>
-              </a:bodyPr>
-              <a:lstStyle/>
-              <a:p>
-                <a:pPr algn="ctr">
-                  <a:defRPr/>
-                </a:pPr>
-                <a:r>
-                  <a:rPr lang="ko-KR" altLang="en-US" sz="2000" b="1" dirty="0" smtClean="0">
-                    <a:latin typeface="나눔고딕"/>
-                    <a:ea typeface="나눔고딕"/>
-                  </a:rPr>
-                  <a:t>장광수</a:t>
-                </a:r>
-                <a:endParaRPr lang="ko-KR" altLang="en-US" sz="2000" b="1" dirty="0">
-                  <a:latin typeface="나눔고딕"/>
-                  <a:ea typeface="나눔고딕"/>
-                </a:endParaRPr>
-              </a:p>
-            </p:txBody>
-          </p:sp>
-        </p:grpSp>
-        <p:grpSp>
-          <p:nvGrpSpPr>
-            <p:cNvPr id="15" name="그룹 14"/>
-            <p:cNvGrpSpPr/>
-            <p:nvPr/>
-          </p:nvGrpSpPr>
-          <p:grpSpPr>
-            <a:xfrm>
-              <a:off x="661031" y="1674606"/>
-              <a:ext cx="8573171" cy="3508788"/>
-              <a:chOff x="-3468006" y="1871456"/>
-              <a:chExt cx="8573171" cy="3508788"/>
-            </a:xfrm>
-          </p:grpSpPr>
-          <p:sp>
-            <p:nvSpPr>
-              <p:cNvPr id="16" name="직사각형 15"/>
-              <p:cNvSpPr/>
-              <p:nvPr/>
-            </p:nvSpPr>
-            <p:spPr>
-              <a:xfrm>
-                <a:off x="946241" y="1871458"/>
-                <a:ext cx="2041451" cy="3508786"/>
-              </a:xfrm>
-              <a:prstGeom prst="rect">
-                <a:avLst/>
-              </a:prstGeom>
-              <a:solidFill>
-                <a:schemeClr val="bg1">
-                  <a:lumMod val="95000"/>
-                </a:schemeClr>
-              </a:solidFill>
-              <a:ln w="28575">
-                <a:solidFill>
-                  <a:schemeClr val="tx1"/>
-                </a:solidFill>
-              </a:ln>
-            </p:spPr>
-            <p:style>
-              <a:lnRef idx="2">
-                <a:schemeClr val="accent1">
-                  <a:shade val="50000"/>
-                </a:schemeClr>
-              </a:lnRef>
-              <a:fillRef idx="1">
-                <a:schemeClr val="accent1"/>
-              </a:fillRef>
-              <a:effectRef idx="0">
-                <a:schemeClr val="accent1"/>
-              </a:effectRef>
-              <a:fontRef idx="minor">
-                <a:schemeClr val="lt1"/>
-              </a:fontRef>
-            </p:style>
-            <p:txBody>
-              <a:bodyPr anchor="ctr"/>
-              <a:lstStyle/>
-              <a:p>
-                <a:pPr algn="ctr">
-                  <a:defRPr/>
-                </a:pPr>
-                <a:endParaRPr lang="ko-KR" altLang="en-US"/>
-              </a:p>
-            </p:txBody>
-          </p:sp>
-          <p:sp>
-            <p:nvSpPr>
-              <p:cNvPr id="17" name="직사각형 16"/>
-              <p:cNvSpPr/>
-              <p:nvPr/>
-            </p:nvSpPr>
-            <p:spPr>
-              <a:xfrm>
-                <a:off x="946239" y="1871456"/>
-                <a:ext cx="2041451" cy="604280"/>
-              </a:xfrm>
-              <a:prstGeom prst="rect">
-                <a:avLst/>
-              </a:prstGeom>
-              <a:solidFill>
-                <a:schemeClr val="accent1">
-                  <a:lumMod val="25000"/>
-                  <a:lumOff val="75000"/>
-                </a:schemeClr>
-              </a:solidFill>
-              <a:ln w="28575">
-                <a:solidFill>
-                  <a:schemeClr val="tx1"/>
-                </a:solidFill>
-              </a:ln>
-            </p:spPr>
-            <p:style>
-              <a:lnRef idx="2">
-                <a:schemeClr val="accent1">
-                  <a:shade val="50000"/>
-                </a:schemeClr>
-              </a:lnRef>
-              <a:fillRef idx="1">
-                <a:schemeClr val="accent1"/>
-              </a:fillRef>
-              <a:effectRef idx="0">
-                <a:schemeClr val="accent1"/>
-              </a:effectRef>
-              <a:fontRef idx="minor">
-                <a:schemeClr val="lt1"/>
-              </a:fontRef>
-            </p:style>
-            <p:txBody>
-              <a:bodyPr anchor="ctr"/>
-              <a:lstStyle/>
-              <a:p>
-                <a:pPr algn="ctr">
-                  <a:defRPr/>
-                </a:pPr>
-                <a:endParaRPr lang="ko-KR" altLang="en-US" sz="2500" b="1">
-                  <a:solidFill>
-                    <a:schemeClr val="tx1"/>
-                  </a:solidFill>
-                  <a:latin typeface="나눔고딕"/>
-                  <a:ea typeface="나눔고딕"/>
-                </a:endParaRPr>
-              </a:p>
-            </p:txBody>
-          </p:sp>
-          <p:sp>
-            <p:nvSpPr>
-              <p:cNvPr id="18" name="TextBox 17"/>
-              <p:cNvSpPr txBox="1"/>
-              <p:nvPr/>
-            </p:nvSpPr>
-            <p:spPr>
-              <a:xfrm>
-                <a:off x="1513954" y="1986429"/>
-                <a:ext cx="906018" cy="400110"/>
-              </a:xfrm>
-              <a:prstGeom prst="rect">
-                <a:avLst/>
-              </a:prstGeom>
-              <a:noFill/>
-            </p:spPr>
-            <p:txBody>
-              <a:bodyPr wrap="none">
-                <a:spAutoFit/>
-              </a:bodyPr>
-              <a:lstStyle/>
-              <a:p>
-                <a:pPr algn="ctr">
-                  <a:defRPr/>
-                </a:pPr>
-                <a:r>
-                  <a:rPr lang="ko-KR" altLang="en-US" sz="2000" b="1" dirty="0" err="1" smtClean="0">
-                    <a:latin typeface="나눔고딕"/>
-                    <a:ea typeface="나눔고딕"/>
-                  </a:rPr>
-                  <a:t>정인혁</a:t>
-                </a:r>
-                <a:endParaRPr lang="ko-KR" altLang="en-US" sz="2000" b="1" dirty="0">
-                  <a:latin typeface="나눔고딕"/>
-                  <a:ea typeface="나눔고딕"/>
-                </a:endParaRPr>
-              </a:p>
-            </p:txBody>
-          </p:sp>
-          <p:sp>
-            <p:nvSpPr>
-              <p:cNvPr id="19" name="TextBox 18"/>
-              <p:cNvSpPr txBox="1"/>
-              <p:nvPr/>
-            </p:nvSpPr>
-            <p:spPr>
-              <a:xfrm>
-                <a:off x="1134012" y="2769029"/>
-                <a:ext cx="1682895" cy="646331"/>
-              </a:xfrm>
-              <a:prstGeom prst="rect">
-                <a:avLst/>
-              </a:prstGeom>
-              <a:noFill/>
-            </p:spPr>
-            <p:txBody>
-              <a:bodyPr wrap="square">
-                <a:spAutoFit/>
-              </a:bodyPr>
-              <a:lstStyle/>
-              <a:p>
-                <a:pPr algn="just">
-                  <a:lnSpc>
-                    <a:spcPct val="120000"/>
-                  </a:lnSpc>
-                  <a:defRPr/>
-                </a:pPr>
-                <a:r>
-                  <a:rPr lang="ko-KR" altLang="en-US" sz="1500" b="0" spc="-150" dirty="0" err="1" smtClean="0">
-                    <a:solidFill>
-                      <a:schemeClr val="tx1">
-                        <a:lumMod val="75000"/>
-                        <a:lumOff val="25000"/>
-                      </a:schemeClr>
-                    </a:solidFill>
-                    <a:latin typeface="나눔고딕"/>
-                    <a:ea typeface="나눔고딕"/>
-                  </a:rPr>
-                  <a:t>ㅎㅇㅎㅇㅎㅇㅎㅇㅎㅇㅇ</a:t>
-                </a:r>
-                <a:endParaRPr lang="ko-KR" altLang="en-US" sz="1500" b="0" spc="-150" dirty="0">
-                  <a:solidFill>
-                    <a:schemeClr val="tx1">
-                      <a:lumMod val="75000"/>
-                      <a:lumOff val="25000"/>
-                    </a:schemeClr>
-                  </a:solidFill>
-                  <a:latin typeface="나눔고딕"/>
-                  <a:ea typeface="나눔고딕"/>
-                </a:endParaRPr>
-              </a:p>
-            </p:txBody>
-          </p:sp>
-          <p:sp>
-            <p:nvSpPr>
-              <p:cNvPr id="38" name="TextBox 37"/>
-              <p:cNvSpPr txBox="1"/>
-              <p:nvPr/>
-            </p:nvSpPr>
-            <p:spPr>
-              <a:xfrm>
-                <a:off x="-1171246" y="2769029"/>
-                <a:ext cx="1682895" cy="346249"/>
-              </a:xfrm>
-              <a:prstGeom prst="rect">
-                <a:avLst/>
-              </a:prstGeom>
-              <a:noFill/>
-            </p:spPr>
-            <p:txBody>
-              <a:bodyPr wrap="square">
-                <a:spAutoFit/>
-              </a:bodyPr>
-              <a:lstStyle/>
-              <a:p>
-                <a:pPr algn="just">
-                  <a:lnSpc>
-                    <a:spcPct val="120000"/>
-                  </a:lnSpc>
-                  <a:defRPr/>
-                </a:pPr>
-                <a:r>
-                  <a:rPr lang="ko-KR" altLang="en-US" sz="1500" spc="-150" dirty="0" err="1" smtClean="0">
-                    <a:solidFill>
-                      <a:schemeClr val="tx1">
-                        <a:lumMod val="75000"/>
-                        <a:lumOff val="25000"/>
-                      </a:schemeClr>
-                    </a:solidFill>
-                    <a:latin typeface="나눔고딕"/>
-                    <a:ea typeface="나눔고딕"/>
-                  </a:rPr>
-                  <a:t>ㅎㅇㅎㅇㅎㅇㅎㅇ</a:t>
-                </a:r>
-                <a:endParaRPr lang="ko-KR" altLang="en-US" sz="1500" b="0" spc="-150" dirty="0">
-                  <a:solidFill>
-                    <a:schemeClr val="tx1">
-                      <a:lumMod val="75000"/>
-                      <a:lumOff val="25000"/>
-                    </a:schemeClr>
-                  </a:solidFill>
-                  <a:latin typeface="나눔고딕"/>
-                  <a:ea typeface="나눔고딕"/>
-                </a:endParaRPr>
-              </a:p>
-            </p:txBody>
-          </p:sp>
-          <p:sp>
-            <p:nvSpPr>
-              <p:cNvPr id="39" name="TextBox 38"/>
-              <p:cNvSpPr txBox="1"/>
-              <p:nvPr/>
-            </p:nvSpPr>
-            <p:spPr>
-              <a:xfrm>
-                <a:off x="-3468006" y="2769029"/>
-                <a:ext cx="1682895" cy="346249"/>
-              </a:xfrm>
-              <a:prstGeom prst="rect">
-                <a:avLst/>
-              </a:prstGeom>
-              <a:noFill/>
-            </p:spPr>
-            <p:txBody>
-              <a:bodyPr wrap="square">
-                <a:spAutoFit/>
-              </a:bodyPr>
-              <a:lstStyle/>
-              <a:p>
-                <a:pPr algn="just">
-                  <a:lnSpc>
-                    <a:spcPct val="120000"/>
-                  </a:lnSpc>
-                  <a:defRPr/>
-                </a:pPr>
-                <a:r>
-                  <a:rPr lang="ko-KR" altLang="en-US" sz="1500" b="0" spc="-150" dirty="0" err="1" smtClean="0">
-                    <a:solidFill>
-                      <a:schemeClr val="tx1">
-                        <a:lumMod val="75000"/>
-                        <a:lumOff val="25000"/>
-                      </a:schemeClr>
-                    </a:solidFill>
-                    <a:latin typeface="나눔고딕"/>
-                    <a:ea typeface="나눔고딕"/>
-                  </a:rPr>
-                  <a:t>ㅎㅇㅎㅇㅎㅇ</a:t>
-                </a:r>
-                <a:endParaRPr lang="ko-KR" altLang="en-US" sz="1500" b="0" spc="-150" dirty="0">
-                  <a:solidFill>
-                    <a:schemeClr val="tx1">
-                      <a:lumMod val="75000"/>
-                      <a:lumOff val="25000"/>
-                    </a:schemeClr>
-                  </a:solidFill>
-                  <a:latin typeface="나눔고딕"/>
-                  <a:ea typeface="나눔고딕"/>
-                </a:endParaRPr>
-              </a:p>
-            </p:txBody>
-          </p:sp>
-          <p:sp>
-            <p:nvSpPr>
-              <p:cNvPr id="41" name="TextBox 40"/>
-              <p:cNvSpPr txBox="1"/>
-              <p:nvPr/>
-            </p:nvSpPr>
-            <p:spPr>
-              <a:xfrm>
-                <a:off x="3422269" y="2762700"/>
-                <a:ext cx="1682896" cy="346249"/>
-              </a:xfrm>
-              <a:prstGeom prst="rect">
-                <a:avLst/>
-              </a:prstGeom>
-              <a:noFill/>
-            </p:spPr>
-            <p:txBody>
-              <a:bodyPr wrap="square">
-                <a:spAutoFit/>
-              </a:bodyPr>
-              <a:lstStyle/>
-              <a:p>
-                <a:pPr algn="just">
-                  <a:lnSpc>
-                    <a:spcPct val="120000"/>
-                  </a:lnSpc>
-                  <a:defRPr/>
-                </a:pPr>
-                <a:r>
-                  <a:rPr lang="ko-KR" altLang="en-US" sz="1500" b="0" spc="-150" dirty="0" err="1" smtClean="0">
-                    <a:solidFill>
-                      <a:schemeClr val="tx1">
-                        <a:lumMod val="75000"/>
-                        <a:lumOff val="25000"/>
-                      </a:schemeClr>
-                    </a:solidFill>
-                    <a:latin typeface="나눔고딕"/>
-                    <a:ea typeface="나눔고딕"/>
-                  </a:rPr>
-                  <a:t>ㅎㅇㅎㅇ</a:t>
-                </a:r>
-                <a:endParaRPr lang="ko-KR" altLang="en-US" sz="1500" b="0" spc="-150" dirty="0">
-                  <a:solidFill>
-                    <a:schemeClr val="tx1">
-                      <a:lumMod val="75000"/>
-                      <a:lumOff val="25000"/>
-                    </a:schemeClr>
-                  </a:solidFill>
-                  <a:latin typeface="나눔고딕"/>
-                  <a:ea typeface="나눔고딕"/>
-                </a:endParaRPr>
-              </a:p>
-            </p:txBody>
-          </p:sp>
-        </p:grpSp>
-      </p:grpSp>
+              <a:latin typeface="나눔고딕 ExtraBold" panose="020D0904000000000000" pitchFamily="50" charset="-127"/>
+              <a:ea typeface="나눔고딕 ExtraBold" panose="020D0904000000000000" pitchFamily="50" charset="-127"/>
+            </a:endParaRPr>
+          </a:p>
+        </p:txBody>
+      </p:sp>
     </p:spTree>
   </p:cSld>
   <p:clrMapOvr>
@@ -19011,7 +19005,7 @@
     <mc:Choice Requires="p14">
       <p:transition p14:dur="0"/>
     </mc:Choice>
-    <mc:Fallback xmlns="" xmlns:c="http://schemas.openxmlformats.org/drawingml/2006/chart" xmlns:dgm="http://schemas.openxmlformats.org/drawingml/2006/diagram" xmlns:dsp="http://schemas.microsoft.com/office/drawing/2008/diagram">
+    <mc:Fallback xmlns:dsp="http://schemas.microsoft.com/office/drawing/2008/diagram" xmlns:dgm="http://schemas.openxmlformats.org/drawingml/2006/diagram" xmlns:c="http://schemas.openxmlformats.org/drawingml/2006/chart" xmlns="">
       <p:transition/>
     </mc:Fallback>
   </mc:AlternateContent>
@@ -19422,8 +19416,8 @@
           </p:nvSpPr>
           <p:spPr>
             <a:xfrm>
-              <a:off x="3330665" y="3365546"/>
-              <a:ext cx="5546711" cy="784830"/>
+              <a:off x="4256399" y="3365546"/>
+              <a:ext cx="3695242" cy="784830"/>
             </a:xfrm>
             <a:prstGeom prst="rect">
               <a:avLst/>
@@ -19440,13 +19434,34 @@
             <a:lstStyle/>
             <a:p>
               <a:r>
-                <a:rPr lang="ko-KR" altLang="en-US" sz="4500" b="1" dirty="0" smtClean="0">
+                <a:rPr lang="ko-KR" altLang="en-US" sz="4500" b="1" dirty="0" err="1" smtClean="0">
                   <a:latin typeface="나눔고딕 ExtraBold" panose="020D0904000000000000" pitchFamily="50" charset="-127"/>
                   <a:ea typeface="나눔고딕 ExtraBold" panose="020D0904000000000000" pitchFamily="50" charset="-127"/>
                 </a:rPr>
-                <a:t>대구 맛집 조회 시스템</a:t>
+                <a:t>맛집쓰</a:t>
               </a:r>
-              <a:endParaRPr lang="ko-KR" altLang="en-US" sz="4500" b="1" dirty="0">
+              <a:r>
+                <a:rPr lang="en-US" altLang="ko-KR" sz="4500" b="1" dirty="0" smtClean="0">
+                  <a:latin typeface="나눔고딕 ExtraBold" panose="020D0904000000000000" pitchFamily="50" charset="-127"/>
+                  <a:ea typeface="나눔고딕 ExtraBold" panose="020D0904000000000000" pitchFamily="50" charset="-127"/>
+                </a:rPr>
+                <a:t>- </a:t>
+              </a:r>
+              <a:r>
+                <a:rPr lang="en-US" altLang="ko-KR" sz="3300" b="1" dirty="0" smtClean="0">
+                  <a:latin typeface="나눔고딕 ExtraBold" panose="020D0904000000000000" pitchFamily="50" charset="-127"/>
+                  <a:ea typeface="나눔고딕 ExtraBold" panose="020D0904000000000000" pitchFamily="50" charset="-127"/>
+                </a:rPr>
+                <a:t>ver.</a:t>
+              </a:r>
+              <a:r>
+                <a:rPr lang="ko-KR" altLang="en-US" sz="3300" b="1" dirty="0" smtClean="0">
+                  <a:latin typeface="나눔고딕 ExtraBold" panose="020D0904000000000000" pitchFamily="50" charset="-127"/>
+                  <a:ea typeface="나눔고딕 ExtraBold" panose="020D0904000000000000" pitchFamily="50" charset="-127"/>
+                </a:rPr>
+                <a:t>대구</a:t>
+              </a:r>
+              <a:endParaRPr lang="ko-KR" altLang="en-US" sz="3300" b="1" dirty="0">
                 <a:latin typeface="나눔고딕 ExtraBold" panose="020D0904000000000000" pitchFamily="50" charset="-127"/>
                 <a:ea typeface="나눔고딕 ExtraBold" panose="020D0904000000000000" pitchFamily="50" charset="-127"/>
               </a:endParaRPr>
@@ -19467,8 +19482,8 @@
           </p:nvSpPr>
           <p:spPr>
             <a:xfrm>
-              <a:off x="3736254" y="4191599"/>
-              <a:ext cx="4735592" cy="553998"/>
+              <a:off x="3736257" y="4191599"/>
+              <a:ext cx="4735591" cy="553998"/>
             </a:xfrm>
             <a:prstGeom prst="rect">
               <a:avLst/>
@@ -19518,7 +19533,21 @@
                   <a:latin typeface="나눔고딕 ExtraBold" panose="020D0904000000000000" pitchFamily="50" charset="-127"/>
                   <a:ea typeface="나눔고딕 ExtraBold" panose="020D0904000000000000" pitchFamily="50" charset="-127"/>
                 </a:rPr>
-                <a:t> 맛집을 개인화 하여 관리하기 위함</a:t>
+                <a:t> 맛집을 </a:t>
+              </a:r>
+              <a:r>
+                <a:rPr lang="ko-KR" altLang="en-US" sz="1500" b="1" dirty="0" err="1" smtClean="0">
+                  <a:latin typeface="나눔고딕 ExtraBold" panose="020D0904000000000000" pitchFamily="50" charset="-127"/>
+                  <a:ea typeface="나눔고딕 ExtraBold" panose="020D0904000000000000" pitchFamily="50" charset="-127"/>
+                </a:rPr>
+                <a:t>개인화하여</a:t>
+              </a:r>
+              <a:r>
+                <a:rPr lang="ko-KR" altLang="en-US" sz="1500" b="1" dirty="0" smtClean="0">
+                  <a:latin typeface="나눔고딕 ExtraBold" panose="020D0904000000000000" pitchFamily="50" charset="-127"/>
+                  <a:ea typeface="나눔고딕 ExtraBold" panose="020D0904000000000000" pitchFamily="50" charset="-127"/>
+                </a:rPr>
+                <a:t> 관리하기 위함</a:t>
               </a:r>
               <a:r>
                 <a:rPr lang="en-US" altLang="ko-KR" sz="1500" b="1" dirty="0" smtClean="0">

--- a/앉아써 팀(대구광역시 맛집데이터 조회시스템).pptx
+++ b/앉아써 팀(대구광역시 맛집데이터 조회시스템).pptx
@@ -36,8 +36,8 @@
     <p:sldId id="313" r:id="rId27"/>
     <p:sldId id="312" r:id="rId28"/>
     <p:sldId id="315" r:id="rId29"/>
-    <p:sldId id="276" r:id="rId30"/>
-    <p:sldId id="277" r:id="rId31"/>
+    <p:sldId id="277" r:id="rId30"/>
+    <p:sldId id="276" r:id="rId31"/>
     <p:sldId id="278" r:id="rId32"/>
   </p:sldIdLst>
   <p:sldSz cx="12192000" cy="6858000"/>
@@ -250,7 +250,7 @@
               <a:pPr lvl="0">
                 <a:defRPr/>
               </a:pPr>
-              <a:t>2023-11-23</a:t>
+              <a:t>2023-11-24</a:t>
             </a:fld>
             <a:endParaRPr lang="ko-KR" altLang="en-US"/>
           </a:p>
@@ -682,7 +682,7 @@
           <a:p>
             <a:fld id="{8697CD8D-5FF8-45F7-B5D9-86A8A4C3B6A4}" type="datetimeFigureOut">
               <a:rPr lang="ko-KR" altLang="en-US" smtClean="0"/>
-              <a:t>2023-11-23</a:t>
+              <a:t>2023-11-24</a:t>
             </a:fld>
             <a:endParaRPr lang="ko-KR" altLang="en-US"/>
           </a:p>
@@ -978,7 +978,7 @@
           <a:p>
             <a:fld id="{8697CD8D-5FF8-45F7-B5D9-86A8A4C3B6A4}" type="datetimeFigureOut">
               <a:rPr lang="ko-KR" altLang="en-US" smtClean="0"/>
-              <a:t>2023-11-23</a:t>
+              <a:t>2023-11-24</a:t>
             </a:fld>
             <a:endParaRPr lang="ko-KR" altLang="en-US"/>
           </a:p>
@@ -1184,7 +1184,7 @@
           <a:p>
             <a:fld id="{8697CD8D-5FF8-45F7-B5D9-86A8A4C3B6A4}" type="datetimeFigureOut">
               <a:rPr lang="ko-KR" altLang="en-US" smtClean="0"/>
-              <a:t>2023-11-23</a:t>
+              <a:t>2023-11-24</a:t>
             </a:fld>
             <a:endParaRPr lang="ko-KR" altLang="en-US"/>
           </a:p>
@@ -1400,7 +1400,7 @@
           <a:p>
             <a:fld id="{8697CD8D-5FF8-45F7-B5D9-86A8A4C3B6A4}" type="datetimeFigureOut">
               <a:rPr lang="ko-KR" altLang="en-US" smtClean="0"/>
-              <a:t>2023-11-23</a:t>
+              <a:t>2023-11-24</a:t>
             </a:fld>
             <a:endParaRPr lang="ko-KR" altLang="en-US"/>
           </a:p>
@@ -1606,7 +1606,7 @@
           <a:p>
             <a:fld id="{8697CD8D-5FF8-45F7-B5D9-86A8A4C3B6A4}" type="datetimeFigureOut">
               <a:rPr lang="ko-KR" altLang="en-US" smtClean="0"/>
-              <a:t>2023-11-23</a:t>
+              <a:t>2023-11-24</a:t>
             </a:fld>
             <a:endParaRPr lang="ko-KR" altLang="en-US"/>
           </a:p>
@@ -1889,7 +1889,7 @@
           <a:p>
             <a:fld id="{8697CD8D-5FF8-45F7-B5D9-86A8A4C3B6A4}" type="datetimeFigureOut">
               <a:rPr lang="ko-KR" altLang="en-US" smtClean="0"/>
-              <a:t>2023-11-23</a:t>
+              <a:t>2023-11-24</a:t>
             </a:fld>
             <a:endParaRPr lang="ko-KR" altLang="en-US"/>
           </a:p>
@@ -2162,7 +2162,7 @@
           <a:p>
             <a:fld id="{8697CD8D-5FF8-45F7-B5D9-86A8A4C3B6A4}" type="datetimeFigureOut">
               <a:rPr lang="ko-KR" altLang="en-US" smtClean="0"/>
-              <a:t>2023-11-23</a:t>
+              <a:t>2023-11-24</a:t>
             </a:fld>
             <a:endParaRPr lang="ko-KR" altLang="en-US"/>
           </a:p>
@@ -2582,7 +2582,7 @@
           <a:p>
             <a:fld id="{8697CD8D-5FF8-45F7-B5D9-86A8A4C3B6A4}" type="datetimeFigureOut">
               <a:rPr lang="ko-KR" altLang="en-US" smtClean="0"/>
-              <a:t>2023-11-23</a:t>
+              <a:t>2023-11-24</a:t>
             </a:fld>
             <a:endParaRPr lang="ko-KR" altLang="en-US"/>
           </a:p>
@@ -2731,7 +2731,7 @@
           <a:p>
             <a:fld id="{8697CD8D-5FF8-45F7-B5D9-86A8A4C3B6A4}" type="datetimeFigureOut">
               <a:rPr lang="ko-KR" altLang="en-US" smtClean="0"/>
-              <a:t>2023-11-23</a:t>
+              <a:t>2023-11-24</a:t>
             </a:fld>
             <a:endParaRPr lang="ko-KR" altLang="en-US"/>
           </a:p>
@@ -2852,7 +2852,7 @@
           <a:p>
             <a:fld id="{8697CD8D-5FF8-45F7-B5D9-86A8A4C3B6A4}" type="datetimeFigureOut">
               <a:rPr lang="ko-KR" altLang="en-US" smtClean="0"/>
-              <a:t>2023-11-23</a:t>
+              <a:t>2023-11-24</a:t>
             </a:fld>
             <a:endParaRPr lang="ko-KR" altLang="en-US"/>
           </a:p>
@@ -3127,7 +3127,7 @@
           <a:p>
             <a:fld id="{8697CD8D-5FF8-45F7-B5D9-86A8A4C3B6A4}" type="datetimeFigureOut">
               <a:rPr lang="ko-KR" altLang="en-US" smtClean="0"/>
-              <a:t>2023-11-23</a:t>
+              <a:t>2023-11-24</a:t>
             </a:fld>
             <a:endParaRPr lang="ko-KR" altLang="en-US"/>
           </a:p>
@@ -3462,7 +3462,7 @@
           <a:p>
             <a:fld id="{8697CD8D-5FF8-45F7-B5D9-86A8A4C3B6A4}" type="datetimeFigureOut">
               <a:rPr lang="ko-KR" altLang="en-US" smtClean="0"/>
-              <a:t>2023-11-23</a:t>
+              <a:t>2023-11-24</a:t>
             </a:fld>
             <a:endParaRPr lang="ko-KR" altLang="en-US"/>
           </a:p>
@@ -3711,7 +3711,7 @@
           <a:p>
             <a:fld id="{8697CD8D-5FF8-45F7-B5D9-86A8A4C3B6A4}" type="datetimeFigureOut">
               <a:rPr lang="ko-KR" altLang="en-US" smtClean="0"/>
-              <a:t>2023-11-23</a:t>
+              <a:t>2023-11-24</a:t>
             </a:fld>
             <a:endParaRPr lang="ko-KR" altLang="en-US"/>
           </a:p>
@@ -17485,336 +17485,6 @@
           <a:chExt cx="0" cy="0"/>
         </a:xfrm>
       </p:grpSpPr>
-      <p:pic>
-        <p:nvPicPr>
-          <p:cNvPr id="21" name="그림 20"/>
-          <p:cNvPicPr>
-            <a:picLocks noChangeAspect="1"/>
-          </p:cNvPicPr>
-          <p:nvPr/>
-        </p:nvPicPr>
-        <p:blipFill rotWithShape="1">
-          <a:blip r:embed="rId2" cstate="screen">
-            <a:extLst>
-              <a:ext uri="{28A0092B-C50C-407E-A947-70E740481C1C}">
-                <a14:useLocalDpi xmlns:a14="http://schemas.microsoft.com/office/drawing/2010/main" val="0"/>
-              </a:ext>
-            </a:extLst>
-          </a:blip>
-          <a:srcRect t="-396" b="-7922"/>
-          <a:stretch/>
-        </p:blipFill>
-        <p:spPr>
-          <a:xfrm>
-            <a:off x="5956300" y="448413"/>
-            <a:ext cx="5999022" cy="6206372"/>
-          </a:xfrm>
-          <a:prstGeom prst="rect">
-            <a:avLst/>
-          </a:prstGeom>
-        </p:spPr>
-      </p:pic>
-      <p:sp>
-        <p:nvSpPr>
-          <p:cNvPr id="6" name="직사각형 5"/>
-          <p:cNvSpPr/>
-          <p:nvPr/>
-        </p:nvSpPr>
-        <p:spPr>
-          <a:xfrm>
-            <a:off x="44450" y="3406141"/>
-            <a:ext cx="6413500" cy="45719"/>
-          </a:xfrm>
-          <a:prstGeom prst="rect">
-            <a:avLst/>
-          </a:prstGeom>
-          <a:solidFill>
-            <a:srgbClr val="66CCFF"/>
-          </a:solidFill>
-          <a:ln>
-            <a:noFill/>
-          </a:ln>
-        </p:spPr>
-        <p:style>
-          <a:lnRef idx="2">
-            <a:schemeClr val="accent1">
-              <a:shade val="50000"/>
-            </a:schemeClr>
-          </a:lnRef>
-          <a:fillRef idx="1">
-            <a:schemeClr val="accent1"/>
-          </a:fillRef>
-          <a:effectRef idx="0">
-            <a:schemeClr val="accent1"/>
-          </a:effectRef>
-          <a:fontRef idx="minor">
-            <a:schemeClr val="lt1"/>
-          </a:fontRef>
-        </p:style>
-        <p:txBody>
-          <a:bodyPr rtlCol="0" anchor="ctr"/>
-          <a:lstStyle/>
-          <a:p>
-            <a:pPr algn="ctr"/>
-            <a:endParaRPr lang="ko-KR" altLang="en-US">
-              <a:solidFill>
-                <a:srgbClr val="66CCFF"/>
-              </a:solidFill>
-            </a:endParaRPr>
-          </a:p>
-        </p:txBody>
-      </p:sp>
-      <p:sp>
-        <p:nvSpPr>
-          <p:cNvPr id="25" name="Text 2"/>
-          <p:cNvSpPr/>
-          <p:nvPr/>
-        </p:nvSpPr>
-        <p:spPr>
-          <a:xfrm>
-            <a:off x="704120" y="2660968"/>
-            <a:ext cx="5094160" cy="694373"/>
-          </a:xfrm>
-          <a:prstGeom prst="rect">
-            <a:avLst/>
-          </a:prstGeom>
-          <a:noFill/>
-          <a:ln/>
-        </p:spPr>
-        <p:txBody>
-          <a:bodyPr wrap="none" rtlCol="0" anchor="t"/>
-          <a:lstStyle/>
-          <a:p>
-            <a:pPr indent="0" algn="ctr">
-              <a:lnSpc>
-                <a:spcPts val="5468"/>
-              </a:lnSpc>
-              <a:buNone/>
-            </a:pPr>
-            <a:r>
-              <a:rPr lang="ko-KR" altLang="en-US" sz="5000" dirty="0">
-                <a:latin typeface="나눔고딕 ExtraBold" panose="020D0904000000000000" pitchFamily="50" charset="-127"/>
-                <a:ea typeface="나눔고딕 ExtraBold" panose="020D0904000000000000" pitchFamily="50" charset="-127"/>
-              </a:rPr>
-              <a:t>자체 평가 의견</a:t>
-            </a:r>
-            <a:endParaRPr lang="en-US" sz="5000" dirty="0">
-              <a:latin typeface="나눔고딕 ExtraBold" panose="020D0904000000000000" pitchFamily="50" charset="-127"/>
-              <a:ea typeface="나눔고딕 ExtraBold" panose="020D0904000000000000" pitchFamily="50" charset="-127"/>
-            </a:endParaRPr>
-          </a:p>
-        </p:txBody>
-      </p:sp>
-    </p:spTree>
-    <p:extLst>
-      <p:ext uri="{BB962C8B-B14F-4D97-AF65-F5344CB8AC3E}">
-        <p14:creationId xmlns:p14="http://schemas.microsoft.com/office/powerpoint/2010/main" val="332874096"/>
-      </p:ext>
-    </p:extLst>
-  </p:cSld>
-  <p:clrMapOvr>
-    <a:masterClrMapping/>
-  </p:clrMapOvr>
-  <mc:AlternateContent xmlns:mc="http://schemas.openxmlformats.org/markup-compatibility/2006" xmlns:p14="http://schemas.microsoft.com/office/powerpoint/2010/main">
-    <mc:Choice Requires="p14">
-      <p:transition p14:dur="0"/>
-    </mc:Choice>
-    <mc:Fallback xmlns="">
-      <p:transition/>
-    </mc:Fallback>
-  </mc:AlternateContent>
-  <p:timing>
-    <p:tnLst>
-      <p:par>
-        <p:cTn id="1" dur="indefinite" restart="never" nodeType="tmRoot"/>
-      </p:par>
-    </p:tnLst>
-  </p:timing>
-</p:sld>
-</file>
-
-<file path=ppt/slides/slide3.xml><?xml version="1.0" encoding="utf-8"?>
-<p:sld xmlns:a="http://schemas.openxmlformats.org/drawingml/2006/main" xmlns:r="http://schemas.openxmlformats.org/officeDocument/2006/relationships" xmlns:p="http://schemas.openxmlformats.org/presentationml/2006/main">
-  <p:cSld>
-    <p:spTree>
-      <p:nvGrpSpPr>
-        <p:cNvPr id="1" name=""/>
-        <p:cNvGrpSpPr/>
-        <p:nvPr/>
-      </p:nvGrpSpPr>
-      <p:grpSpPr>
-        <a:xfrm>
-          <a:off x="0" y="0"/>
-          <a:ext cx="0" cy="0"/>
-          <a:chOff x="0" y="0"/>
-          <a:chExt cx="0" cy="0"/>
-        </a:xfrm>
-      </p:grpSpPr>
-      <p:pic>
-        <p:nvPicPr>
-          <p:cNvPr id="21" name="그림 20"/>
-          <p:cNvPicPr>
-            <a:picLocks noChangeAspect="1"/>
-          </p:cNvPicPr>
-          <p:nvPr/>
-        </p:nvPicPr>
-        <p:blipFill rotWithShape="1">
-          <a:blip r:embed="rId2" cstate="screen">
-            <a:extLst>
-              <a:ext uri="{28A0092B-C50C-407E-A947-70E740481C1C}">
-                <a14:useLocalDpi xmlns:a14="http://schemas.microsoft.com/office/drawing/2010/main" val="0"/>
-              </a:ext>
-            </a:extLst>
-          </a:blip>
-          <a:srcRect t="-396" b="-7922"/>
-          <a:stretch/>
-        </p:blipFill>
-        <p:spPr>
-          <a:xfrm>
-            <a:off x="5956300" y="448413"/>
-            <a:ext cx="5999022" cy="6206372"/>
-          </a:xfrm>
-          <a:prstGeom prst="rect">
-            <a:avLst/>
-          </a:prstGeom>
-        </p:spPr>
-      </p:pic>
-      <p:sp>
-        <p:nvSpPr>
-          <p:cNvPr id="6" name="직사각형 5"/>
-          <p:cNvSpPr/>
-          <p:nvPr/>
-        </p:nvSpPr>
-        <p:spPr>
-          <a:xfrm>
-            <a:off x="44450" y="3406141"/>
-            <a:ext cx="6413500" cy="45719"/>
-          </a:xfrm>
-          <a:prstGeom prst="rect">
-            <a:avLst/>
-          </a:prstGeom>
-          <a:solidFill>
-            <a:srgbClr val="66CCFF"/>
-          </a:solidFill>
-          <a:ln>
-            <a:noFill/>
-          </a:ln>
-        </p:spPr>
-        <p:style>
-          <a:lnRef idx="2">
-            <a:schemeClr val="accent1">
-              <a:shade val="50000"/>
-            </a:schemeClr>
-          </a:lnRef>
-          <a:fillRef idx="1">
-            <a:schemeClr val="accent1"/>
-          </a:fillRef>
-          <a:effectRef idx="0">
-            <a:schemeClr val="accent1"/>
-          </a:effectRef>
-          <a:fontRef idx="minor">
-            <a:schemeClr val="lt1"/>
-          </a:fontRef>
-        </p:style>
-        <p:txBody>
-          <a:bodyPr rtlCol="0" anchor="ctr"/>
-          <a:lstStyle/>
-          <a:p>
-            <a:pPr algn="ctr"/>
-            <a:endParaRPr lang="ko-KR" altLang="en-US">
-              <a:solidFill>
-                <a:srgbClr val="66CCFF"/>
-              </a:solidFill>
-            </a:endParaRPr>
-          </a:p>
-        </p:txBody>
-      </p:sp>
-      <p:sp>
-        <p:nvSpPr>
-          <p:cNvPr id="25" name="Text 2"/>
-          <p:cNvSpPr/>
-          <p:nvPr/>
-        </p:nvSpPr>
-        <p:spPr>
-          <a:xfrm>
-            <a:off x="704120" y="2660968"/>
-            <a:ext cx="5094160" cy="694373"/>
-          </a:xfrm>
-          <a:prstGeom prst="rect">
-            <a:avLst/>
-          </a:prstGeom>
-          <a:noFill/>
-          <a:ln/>
-        </p:spPr>
-        <p:txBody>
-          <a:bodyPr wrap="none" rtlCol="0" anchor="t"/>
-          <a:lstStyle/>
-          <a:p>
-            <a:pPr marL="0" indent="0" algn="ctr">
-              <a:lnSpc>
-                <a:spcPts val="5468"/>
-              </a:lnSpc>
-              <a:buNone/>
-            </a:pPr>
-            <a:r>
-              <a:rPr lang="ko-KR" altLang="en-US" sz="5000" dirty="0">
-                <a:latin typeface="나눔고딕 ExtraBold" panose="020D0904000000000000" pitchFamily="50" charset="-127"/>
-                <a:ea typeface="나눔고딕 ExtraBold" panose="020D0904000000000000" pitchFamily="50" charset="-127"/>
-              </a:rPr>
-              <a:t>프로젝트 개요</a:t>
-            </a:r>
-            <a:endParaRPr lang="en-US" sz="5000" dirty="0">
-              <a:latin typeface="나눔고딕 ExtraBold" panose="020D0904000000000000" pitchFamily="50" charset="-127"/>
-              <a:ea typeface="나눔고딕 ExtraBold" panose="020D0904000000000000" pitchFamily="50" charset="-127"/>
-            </a:endParaRPr>
-          </a:p>
-        </p:txBody>
-      </p:sp>
-    </p:spTree>
-    <p:extLst>
-      <p:ext uri="{BB962C8B-B14F-4D97-AF65-F5344CB8AC3E}">
-        <p14:creationId xmlns:p14="http://schemas.microsoft.com/office/powerpoint/2010/main" val="2377490532"/>
-      </p:ext>
-    </p:extLst>
-  </p:cSld>
-  <p:clrMapOvr>
-    <a:masterClrMapping/>
-  </p:clrMapOvr>
-  <mc:AlternateContent xmlns:mc="http://schemas.openxmlformats.org/markup-compatibility/2006" xmlns:p14="http://schemas.microsoft.com/office/powerpoint/2010/main">
-    <mc:Choice Requires="p14">
-      <p:transition p14:dur="0"/>
-    </mc:Choice>
-    <mc:Fallback xmlns="">
-      <p:transition/>
-    </mc:Fallback>
-  </mc:AlternateContent>
-  <p:timing>
-    <p:tnLst>
-      <p:par>
-        <p:cTn id="1" dur="indefinite" restart="never" nodeType="tmRoot"/>
-      </p:par>
-    </p:tnLst>
-  </p:timing>
-</p:sld>
-</file>
-
-<file path=ppt/slides/slide30.xml><?xml version="1.0" encoding="utf-8"?>
-<p:sld xmlns:a="http://schemas.openxmlformats.org/drawingml/2006/main" xmlns:r="http://schemas.openxmlformats.org/officeDocument/2006/relationships" xmlns:p="http://schemas.openxmlformats.org/presentationml/2006/main">
-  <p:cSld>
-    <p:spTree>
-      <p:nvGrpSpPr>
-        <p:cNvPr id="1" name=""/>
-        <p:cNvGrpSpPr/>
-        <p:nvPr/>
-      </p:nvGrpSpPr>
-      <p:grpSpPr>
-        <a:xfrm>
-          <a:off x="0" y="0"/>
-          <a:ext cx="0" cy="0"/>
-          <a:chOff x="0" y="0"/>
-          <a:chExt cx="0" cy="0"/>
-        </a:xfrm>
-      </p:grpSpPr>
       <p:grpSp>
         <p:nvGrpSpPr>
           <p:cNvPr id="30" name="그룹 29"/>
@@ -18783,7 +18453,7 @@
           <a:p>
             <a:pPr algn="ctr"/>
             <a:r>
-              <a:rPr lang="en-US" altLang="ko-KR" sz="1500" smtClean="0">
+              <a:rPr lang="en-US" altLang="ko-KR" sz="1500" dirty="0" smtClean="0">
                 <a:solidFill>
                   <a:schemeClr val="tx1"/>
                 </a:solidFill>
@@ -18792,26 +18462,76 @@
               </a:rPr>
               <a:t> </a:t>
             </a:r>
-            <a:r>
-              <a:rPr lang="ko-KR" altLang="en-US" sz="1500" smtClean="0">
+            <a:endParaRPr lang="en-US" altLang="ko-KR" sz="1500" dirty="0" smtClean="0">
+              <a:solidFill>
+                <a:schemeClr val="tx1"/>
+              </a:solidFill>
+              <a:latin typeface="나눔고딕 ExtraBold" panose="020D0904000000000000" pitchFamily="50" charset="-127"/>
+              <a:ea typeface="나눔고딕 ExtraBold" panose="020D0904000000000000" pitchFamily="50" charset="-127"/>
+            </a:endParaRPr>
+          </a:p>
+          <a:p>
+            <a:pPr algn="ctr"/>
+            <a:r>
+              <a:rPr lang="ko-KR" altLang="en-US" sz="1500" dirty="0" smtClean="0">
                 <a:solidFill>
                   <a:schemeClr val="tx1"/>
                 </a:solidFill>
                 <a:latin typeface="나눔고딕 ExtraBold" panose="020D0904000000000000" pitchFamily="50" charset="-127"/>
                 <a:ea typeface="나눔고딕 ExtraBold" panose="020D0904000000000000" pitchFamily="50" charset="-127"/>
               </a:rPr>
-              <a:t>ㄹㅇ</a:t>
-            </a:r>
-            <a:r>
-              <a:rPr lang="en-US" altLang="ko-KR" sz="1500" smtClean="0">
+              <a:t>현오 </a:t>
+            </a:r>
+            <a:r>
+              <a:rPr lang="ko-KR" altLang="en-US" sz="1500" dirty="0">
                 <a:solidFill>
                   <a:schemeClr val="tx1"/>
                 </a:solidFill>
                 <a:latin typeface="나눔고딕 ExtraBold" panose="020D0904000000000000" pitchFamily="50" charset="-127"/>
                 <a:ea typeface="나눔고딕 ExtraBold" panose="020D0904000000000000" pitchFamily="50" charset="-127"/>
               </a:rPr>
-              <a:t>.</a:t>
-            </a:r>
+              <a:t>님도 적당히 사랑합니다💢</a:t>
+            </a:r>
+            <a:endParaRPr lang="en-US" altLang="ko-KR" sz="1500" dirty="0">
+              <a:solidFill>
+                <a:schemeClr val="tx1"/>
+              </a:solidFill>
+              <a:latin typeface="나눔고딕 ExtraBold" panose="020D0904000000000000" pitchFamily="50" charset="-127"/>
+              <a:ea typeface="나눔고딕 ExtraBold" panose="020D0904000000000000" pitchFamily="50" charset="-127"/>
+            </a:endParaRPr>
+          </a:p>
+          <a:p>
+            <a:pPr algn="ctr"/>
+            <a:r>
+              <a:rPr lang="en-US" altLang="ko-KR" sz="1500" dirty="0">
+                <a:solidFill>
+                  <a:schemeClr val="tx1"/>
+                </a:solidFill>
+                <a:latin typeface="나눔고딕 ExtraBold" panose="020D0904000000000000" pitchFamily="50" charset="-127"/>
+                <a:ea typeface="나눔고딕 ExtraBold" panose="020D0904000000000000" pitchFamily="50" charset="-127"/>
+              </a:rPr>
+              <a:t>by </a:t>
+            </a:r>
+            <a:r>
+              <a:rPr lang="ko-KR" altLang="en-US" sz="1500" dirty="0">
+                <a:solidFill>
+                  <a:schemeClr val="tx1"/>
+                </a:solidFill>
+                <a:latin typeface="나눔고딕 ExtraBold" panose="020D0904000000000000" pitchFamily="50" charset="-127"/>
+                <a:ea typeface="나눔고딕 ExtraBold" panose="020D0904000000000000" pitchFamily="50" charset="-127"/>
+              </a:rPr>
+              <a:t>예원</a:t>
+            </a:r>
+            <a:endParaRPr lang="ko-KR" altLang="en-US" sz="1500" b="1" dirty="0">
+              <a:solidFill>
+                <a:schemeClr val="tx1"/>
+              </a:solidFill>
+              <a:latin typeface="나눔고딕 ExtraBold" panose="020D0904000000000000" pitchFamily="50" charset="-127"/>
+              <a:ea typeface="나눔고딕 ExtraBold" panose="020D0904000000000000" pitchFamily="50" charset="-127"/>
+            </a:endParaRPr>
+          </a:p>
+          <a:p>
+            <a:pPr algn="ctr"/>
             <a:endParaRPr lang="ko-KR" altLang="en-US" sz="1500" b="1" dirty="0">
               <a:solidFill>
                 <a:schemeClr val="tx1"/>
@@ -18880,24 +18600,44 @@
               <a:t> </a:t>
             </a:r>
             <a:r>
-              <a:rPr lang="ko-KR" altLang="en-US" sz="1500" dirty="0" err="1" smtClean="0">
+              <a:rPr lang="ko-KR" altLang="en-US" sz="1500" dirty="0">
                 <a:solidFill>
                   <a:schemeClr val="tx1"/>
                 </a:solidFill>
                 <a:latin typeface="나눔고딕 ExtraBold" panose="020D0904000000000000" pitchFamily="50" charset="-127"/>
                 <a:ea typeface="나눔고딕 ExtraBold" panose="020D0904000000000000" pitchFamily="50" charset="-127"/>
               </a:rPr>
-              <a:t>ㄹㅇ</a:t>
-            </a:r>
-            <a:r>
-              <a:rPr lang="en-US" altLang="ko-KR" sz="1500" dirty="0" smtClean="0">
+              <a:t>프로젝트를 진행하면서 초반에 주제도 한 번 바꾸고 어떻게 할 지 몰라 막막했는데 그래도 조원들 모두 힘을 합쳐 잘 마무리 지을 수 있어서 좋았습니다</a:t>
+            </a:r>
+            <a:r>
+              <a:rPr lang="en-US" altLang="ko-KR" sz="1500" dirty="0">
                 <a:solidFill>
                   <a:schemeClr val="tx1"/>
                 </a:solidFill>
                 <a:latin typeface="나눔고딕 ExtraBold" panose="020D0904000000000000" pitchFamily="50" charset="-127"/>
                 <a:ea typeface="나눔고딕 ExtraBold" panose="020D0904000000000000" pitchFamily="50" charset="-127"/>
               </a:rPr>
-              <a:t>.</a:t>
+              <a:t>!!! </a:t>
+            </a:r>
+            <a:r>
+              <a:rPr lang="ko-KR" altLang="en-US" sz="1500" dirty="0">
+                <a:solidFill>
+                  <a:schemeClr val="tx1"/>
+                </a:solidFill>
+                <a:latin typeface="나눔고딕 ExtraBold" panose="020D0904000000000000" pitchFamily="50" charset="-127"/>
+                <a:ea typeface="나눔고딕 ExtraBold" panose="020D0904000000000000" pitchFamily="50" charset="-127"/>
+              </a:rPr>
+              <a:t>맛집 </a:t>
+            </a:r>
+            <a:r>
+              <a:rPr lang="ko-KR" altLang="en-US" sz="1500" dirty="0" err="1">
+                <a:solidFill>
+                  <a:schemeClr val="tx1"/>
+                </a:solidFill>
+                <a:latin typeface="나눔고딕 ExtraBold" panose="020D0904000000000000" pitchFamily="50" charset="-127"/>
+                <a:ea typeface="나눔고딕 ExtraBold" panose="020D0904000000000000" pitchFamily="50" charset="-127"/>
+              </a:rPr>
+              <a:t>ㄱㄱ</a:t>
             </a:r>
             <a:endParaRPr lang="ko-KR" altLang="en-US" sz="1500" b="1" dirty="0">
               <a:solidFill>
@@ -18966,26 +18706,96 @@
               </a:rPr>
               <a:t> </a:t>
             </a:r>
-            <a:r>
-              <a:rPr lang="ko-KR" altLang="en-US" sz="1500" dirty="0" err="1" smtClean="0">
+            <a:endParaRPr lang="en-US" altLang="ko-KR" sz="1500" dirty="0" smtClean="0">
+              <a:solidFill>
+                <a:schemeClr val="tx1"/>
+              </a:solidFill>
+              <a:latin typeface="나눔고딕 ExtraBold" panose="020D0904000000000000" pitchFamily="50" charset="-127"/>
+              <a:ea typeface="나눔고딕 ExtraBold" panose="020D0904000000000000" pitchFamily="50" charset="-127"/>
+            </a:endParaRPr>
+          </a:p>
+          <a:p>
+            <a:pPr algn="ctr"/>
+            <a:r>
+              <a:rPr lang="ko-KR" altLang="en-US" sz="1500" dirty="0" smtClean="0">
                 <a:solidFill>
                   <a:schemeClr val="tx1"/>
                 </a:solidFill>
                 <a:latin typeface="나눔고딕 ExtraBold" panose="020D0904000000000000" pitchFamily="50" charset="-127"/>
                 <a:ea typeface="나눔고딕 ExtraBold" panose="020D0904000000000000" pitchFamily="50" charset="-127"/>
               </a:rPr>
-              <a:t>ㄹㅇ</a:t>
-            </a:r>
-            <a:r>
-              <a:rPr lang="en-US" altLang="ko-KR" sz="1500" dirty="0" smtClean="0">
+              <a:t>효정아 </a:t>
+            </a:r>
+            <a:r>
+              <a:rPr lang="ko-KR" altLang="en-US" sz="1500" dirty="0">
                 <a:solidFill>
                   <a:schemeClr val="tx1"/>
                 </a:solidFill>
                 <a:latin typeface="나눔고딕 ExtraBold" panose="020D0904000000000000" pitchFamily="50" charset="-127"/>
                 <a:ea typeface="나눔고딕 ExtraBold" panose="020D0904000000000000" pitchFamily="50" charset="-127"/>
               </a:rPr>
-              <a:t>.</a:t>
-            </a:r>
+              <a:t>사랑해</a:t>
+            </a:r>
+            <a:r>
+              <a:rPr lang="en-US" altLang="ko-KR" sz="1500" dirty="0">
+                <a:solidFill>
+                  <a:schemeClr val="tx1"/>
+                </a:solidFill>
+                <a:latin typeface="나눔고딕 ExtraBold" panose="020D0904000000000000" pitchFamily="50" charset="-127"/>
+                <a:ea typeface="나눔고딕 ExtraBold" panose="020D0904000000000000" pitchFamily="50" charset="-127"/>
+              </a:rPr>
+              <a:t>~</a:t>
+            </a:r>
+            <a:r>
+              <a:rPr lang="ko-KR" altLang="en-US" sz="1500" dirty="0">
+                <a:solidFill>
+                  <a:schemeClr val="tx1"/>
+                </a:solidFill>
+                <a:latin typeface="나눔고딕 ExtraBold" panose="020D0904000000000000" pitchFamily="50" charset="-127"/>
+                <a:ea typeface="나눔고딕 ExtraBold" panose="020D0904000000000000" pitchFamily="50" charset="-127"/>
+              </a:rPr>
+              <a:t>💖 </a:t>
+            </a:r>
+            <a:endParaRPr lang="en-US" altLang="ko-KR" sz="1500" dirty="0">
+              <a:solidFill>
+                <a:schemeClr val="tx1"/>
+              </a:solidFill>
+              <a:latin typeface="나눔고딕 ExtraBold" panose="020D0904000000000000" pitchFamily="50" charset="-127"/>
+              <a:ea typeface="나눔고딕 ExtraBold" panose="020D0904000000000000" pitchFamily="50" charset="-127"/>
+            </a:endParaRPr>
+          </a:p>
+          <a:p>
+            <a:pPr algn="ctr"/>
+            <a:r>
+              <a:rPr lang="en-US" altLang="ko-KR" sz="1500" dirty="0">
+                <a:solidFill>
+                  <a:schemeClr val="tx1"/>
+                </a:solidFill>
+                <a:latin typeface="나눔고딕 ExtraBold" panose="020D0904000000000000" pitchFamily="50" charset="-127"/>
+                <a:ea typeface="나눔고딕 ExtraBold" panose="020D0904000000000000" pitchFamily="50" charset="-127"/>
+              </a:rPr>
+              <a:t>by</a:t>
+            </a:r>
+            <a:r>
+              <a:rPr lang="ko-KR" altLang="en-US" sz="1500" dirty="0">
+                <a:solidFill>
+                  <a:schemeClr val="tx1"/>
+                </a:solidFill>
+                <a:latin typeface="나눔고딕 ExtraBold" panose="020D0904000000000000" pitchFamily="50" charset="-127"/>
+                <a:ea typeface="나눔고딕 ExtraBold" panose="020D0904000000000000" pitchFamily="50" charset="-127"/>
+              </a:rPr>
+              <a:t>예원</a:t>
+            </a:r>
+            <a:endParaRPr lang="ko-KR" altLang="en-US" sz="1500" b="1" dirty="0">
+              <a:solidFill>
+                <a:schemeClr val="tx1"/>
+              </a:solidFill>
+              <a:latin typeface="나눔고딕 ExtraBold" panose="020D0904000000000000" pitchFamily="50" charset="-127"/>
+              <a:ea typeface="나눔고딕 ExtraBold" panose="020D0904000000000000" pitchFamily="50" charset="-127"/>
+            </a:endParaRPr>
+          </a:p>
+          <a:p>
+            <a:pPr algn="ctr"/>
             <a:endParaRPr lang="ko-KR" altLang="en-US" sz="1500" b="1" dirty="0">
               <a:solidFill>
                 <a:schemeClr val="tx1"/>
@@ -19005,7 +18815,344 @@
     <mc:Choice Requires="p14">
       <p:transition p14:dur="0"/>
     </mc:Choice>
-    <mc:Fallback xmlns:dsp="http://schemas.microsoft.com/office/drawing/2008/diagram" xmlns:dgm="http://schemas.openxmlformats.org/drawingml/2006/diagram" xmlns:c="http://schemas.openxmlformats.org/drawingml/2006/chart" xmlns="">
+    <mc:Fallback xmlns="" xmlns:c="http://schemas.openxmlformats.org/drawingml/2006/chart" xmlns:dgm="http://schemas.openxmlformats.org/drawingml/2006/diagram" xmlns:dsp="http://schemas.microsoft.com/office/drawing/2008/diagram">
+      <p:transition/>
+    </mc:Fallback>
+  </mc:AlternateContent>
+  <p:timing>
+    <p:tnLst>
+      <p:par>
+        <p:cTn id="1" dur="indefinite" restart="never" nodeType="tmRoot"/>
+      </p:par>
+    </p:tnLst>
+  </p:timing>
+</p:sld>
+</file>
+
+<file path=ppt/slides/slide3.xml><?xml version="1.0" encoding="utf-8"?>
+<p:sld xmlns:a="http://schemas.openxmlformats.org/drawingml/2006/main" xmlns:r="http://schemas.openxmlformats.org/officeDocument/2006/relationships" xmlns:p="http://schemas.openxmlformats.org/presentationml/2006/main">
+  <p:cSld>
+    <p:spTree>
+      <p:nvGrpSpPr>
+        <p:cNvPr id="1" name=""/>
+        <p:cNvGrpSpPr/>
+        <p:nvPr/>
+      </p:nvGrpSpPr>
+      <p:grpSpPr>
+        <a:xfrm>
+          <a:off x="0" y="0"/>
+          <a:ext cx="0" cy="0"/>
+          <a:chOff x="0" y="0"/>
+          <a:chExt cx="0" cy="0"/>
+        </a:xfrm>
+      </p:grpSpPr>
+      <p:pic>
+        <p:nvPicPr>
+          <p:cNvPr id="21" name="그림 20"/>
+          <p:cNvPicPr>
+            <a:picLocks noChangeAspect="1"/>
+          </p:cNvPicPr>
+          <p:nvPr/>
+        </p:nvPicPr>
+        <p:blipFill rotWithShape="1">
+          <a:blip r:embed="rId2" cstate="screen">
+            <a:extLst>
+              <a:ext uri="{28A0092B-C50C-407E-A947-70E740481C1C}">
+                <a14:useLocalDpi xmlns:a14="http://schemas.microsoft.com/office/drawing/2010/main" val="0"/>
+              </a:ext>
+            </a:extLst>
+          </a:blip>
+          <a:srcRect t="-396" b="-7922"/>
+          <a:stretch/>
+        </p:blipFill>
+        <p:spPr>
+          <a:xfrm>
+            <a:off x="5956300" y="448413"/>
+            <a:ext cx="5999022" cy="6206372"/>
+          </a:xfrm>
+          <a:prstGeom prst="rect">
+            <a:avLst/>
+          </a:prstGeom>
+        </p:spPr>
+      </p:pic>
+      <p:sp>
+        <p:nvSpPr>
+          <p:cNvPr id="6" name="직사각형 5"/>
+          <p:cNvSpPr/>
+          <p:nvPr/>
+        </p:nvSpPr>
+        <p:spPr>
+          <a:xfrm>
+            <a:off x="44450" y="3406141"/>
+            <a:ext cx="6413500" cy="45719"/>
+          </a:xfrm>
+          <a:prstGeom prst="rect">
+            <a:avLst/>
+          </a:prstGeom>
+          <a:solidFill>
+            <a:srgbClr val="66CCFF"/>
+          </a:solidFill>
+          <a:ln>
+            <a:noFill/>
+          </a:ln>
+        </p:spPr>
+        <p:style>
+          <a:lnRef idx="2">
+            <a:schemeClr val="accent1">
+              <a:shade val="50000"/>
+            </a:schemeClr>
+          </a:lnRef>
+          <a:fillRef idx="1">
+            <a:schemeClr val="accent1"/>
+          </a:fillRef>
+          <a:effectRef idx="0">
+            <a:schemeClr val="accent1"/>
+          </a:effectRef>
+          <a:fontRef idx="minor">
+            <a:schemeClr val="lt1"/>
+          </a:fontRef>
+        </p:style>
+        <p:txBody>
+          <a:bodyPr rtlCol="0" anchor="ctr"/>
+          <a:lstStyle/>
+          <a:p>
+            <a:pPr algn="ctr"/>
+            <a:endParaRPr lang="ko-KR" altLang="en-US">
+              <a:solidFill>
+                <a:srgbClr val="66CCFF"/>
+              </a:solidFill>
+            </a:endParaRPr>
+          </a:p>
+        </p:txBody>
+      </p:sp>
+      <p:sp>
+        <p:nvSpPr>
+          <p:cNvPr id="25" name="Text 2"/>
+          <p:cNvSpPr/>
+          <p:nvPr/>
+        </p:nvSpPr>
+        <p:spPr>
+          <a:xfrm>
+            <a:off x="704120" y="2660968"/>
+            <a:ext cx="5094160" cy="694373"/>
+          </a:xfrm>
+          <a:prstGeom prst="rect">
+            <a:avLst/>
+          </a:prstGeom>
+          <a:noFill/>
+          <a:ln/>
+        </p:spPr>
+        <p:txBody>
+          <a:bodyPr wrap="none" rtlCol="0" anchor="t"/>
+          <a:lstStyle/>
+          <a:p>
+            <a:pPr marL="0" indent="0" algn="ctr">
+              <a:lnSpc>
+                <a:spcPts val="5468"/>
+              </a:lnSpc>
+              <a:buNone/>
+            </a:pPr>
+            <a:r>
+              <a:rPr lang="ko-KR" altLang="en-US" sz="5000" dirty="0">
+                <a:latin typeface="나눔고딕 ExtraBold" panose="020D0904000000000000" pitchFamily="50" charset="-127"/>
+                <a:ea typeface="나눔고딕 ExtraBold" panose="020D0904000000000000" pitchFamily="50" charset="-127"/>
+              </a:rPr>
+              <a:t>프로젝트 개요</a:t>
+            </a:r>
+            <a:endParaRPr lang="en-US" sz="5000" dirty="0">
+              <a:latin typeface="나눔고딕 ExtraBold" panose="020D0904000000000000" pitchFamily="50" charset="-127"/>
+              <a:ea typeface="나눔고딕 ExtraBold" panose="020D0904000000000000" pitchFamily="50" charset="-127"/>
+            </a:endParaRPr>
+          </a:p>
+        </p:txBody>
+      </p:sp>
+    </p:spTree>
+    <p:extLst>
+      <p:ext uri="{BB962C8B-B14F-4D97-AF65-F5344CB8AC3E}">
+        <p14:creationId xmlns:p14="http://schemas.microsoft.com/office/powerpoint/2010/main" val="2377490532"/>
+      </p:ext>
+    </p:extLst>
+  </p:cSld>
+  <p:clrMapOvr>
+    <a:masterClrMapping/>
+  </p:clrMapOvr>
+  <mc:AlternateContent xmlns:mc="http://schemas.openxmlformats.org/markup-compatibility/2006" xmlns:p14="http://schemas.microsoft.com/office/powerpoint/2010/main">
+    <mc:Choice Requires="p14">
+      <p:transition p14:dur="0"/>
+    </mc:Choice>
+    <mc:Fallback xmlns="">
+      <p:transition/>
+    </mc:Fallback>
+  </mc:AlternateContent>
+  <p:timing>
+    <p:tnLst>
+      <p:par>
+        <p:cTn id="1" dur="indefinite" restart="never" nodeType="tmRoot"/>
+      </p:par>
+    </p:tnLst>
+  </p:timing>
+</p:sld>
+</file>
+
+<file path=ppt/slides/slide30.xml><?xml version="1.0" encoding="utf-8"?>
+<p:sld xmlns:a="http://schemas.openxmlformats.org/drawingml/2006/main" xmlns:r="http://schemas.openxmlformats.org/officeDocument/2006/relationships" xmlns:p="http://schemas.openxmlformats.org/presentationml/2006/main">
+  <p:cSld>
+    <p:spTree>
+      <p:nvGrpSpPr>
+        <p:cNvPr id="1" name=""/>
+        <p:cNvGrpSpPr/>
+        <p:nvPr/>
+      </p:nvGrpSpPr>
+      <p:grpSpPr>
+        <a:xfrm>
+          <a:off x="0" y="0"/>
+          <a:ext cx="0" cy="0"/>
+          <a:chOff x="0" y="0"/>
+          <a:chExt cx="0" cy="0"/>
+        </a:xfrm>
+      </p:grpSpPr>
+      <p:pic>
+        <p:nvPicPr>
+          <p:cNvPr id="21" name="그림 20"/>
+          <p:cNvPicPr>
+            <a:picLocks noChangeAspect="1"/>
+          </p:cNvPicPr>
+          <p:nvPr/>
+        </p:nvPicPr>
+        <p:blipFill rotWithShape="1">
+          <a:blip r:embed="rId2" cstate="screen">
+            <a:extLst>
+              <a:ext uri="{28A0092B-C50C-407E-A947-70E740481C1C}">
+                <a14:useLocalDpi xmlns:a14="http://schemas.microsoft.com/office/drawing/2010/main" val="0"/>
+              </a:ext>
+            </a:extLst>
+          </a:blip>
+          <a:srcRect t="-396" b="-7922"/>
+          <a:stretch/>
+        </p:blipFill>
+        <p:spPr>
+          <a:xfrm>
+            <a:off x="5956300" y="448413"/>
+            <a:ext cx="5999022" cy="6206372"/>
+          </a:xfrm>
+          <a:prstGeom prst="rect">
+            <a:avLst/>
+          </a:prstGeom>
+        </p:spPr>
+      </p:pic>
+      <p:sp>
+        <p:nvSpPr>
+          <p:cNvPr id="6" name="직사각형 5"/>
+          <p:cNvSpPr/>
+          <p:nvPr/>
+        </p:nvSpPr>
+        <p:spPr>
+          <a:xfrm>
+            <a:off x="44450" y="3406141"/>
+            <a:ext cx="6413500" cy="45719"/>
+          </a:xfrm>
+          <a:prstGeom prst="rect">
+            <a:avLst/>
+          </a:prstGeom>
+          <a:solidFill>
+            <a:srgbClr val="66CCFF"/>
+          </a:solidFill>
+          <a:ln>
+            <a:noFill/>
+          </a:ln>
+        </p:spPr>
+        <p:style>
+          <a:lnRef idx="2">
+            <a:schemeClr val="accent1">
+              <a:shade val="50000"/>
+            </a:schemeClr>
+          </a:lnRef>
+          <a:fillRef idx="1">
+            <a:schemeClr val="accent1"/>
+          </a:fillRef>
+          <a:effectRef idx="0">
+            <a:schemeClr val="accent1"/>
+          </a:effectRef>
+          <a:fontRef idx="minor">
+            <a:schemeClr val="lt1"/>
+          </a:fontRef>
+        </p:style>
+        <p:txBody>
+          <a:bodyPr rtlCol="0" anchor="ctr"/>
+          <a:lstStyle/>
+          <a:p>
+            <a:pPr algn="ctr"/>
+            <a:endParaRPr lang="ko-KR" altLang="en-US">
+              <a:solidFill>
+                <a:srgbClr val="66CCFF"/>
+              </a:solidFill>
+            </a:endParaRPr>
+          </a:p>
+        </p:txBody>
+      </p:sp>
+      <p:sp>
+        <p:nvSpPr>
+          <p:cNvPr id="25" name="Text 2"/>
+          <p:cNvSpPr/>
+          <p:nvPr/>
+        </p:nvSpPr>
+        <p:spPr>
+          <a:xfrm>
+            <a:off x="704120" y="2660968"/>
+            <a:ext cx="5094160" cy="694373"/>
+          </a:xfrm>
+          <a:prstGeom prst="rect">
+            <a:avLst/>
+          </a:prstGeom>
+          <a:noFill/>
+          <a:ln/>
+        </p:spPr>
+        <p:txBody>
+          <a:bodyPr wrap="none" rtlCol="0" anchor="t"/>
+          <a:lstStyle/>
+          <a:p>
+            <a:pPr indent="0" algn="ctr">
+              <a:lnSpc>
+                <a:spcPts val="5468"/>
+              </a:lnSpc>
+              <a:buNone/>
+            </a:pPr>
+            <a:r>
+              <a:rPr lang="ko-KR" altLang="en-US" sz="5000" dirty="0" smtClean="0">
+                <a:latin typeface="나눔고딕 ExtraBold" panose="020D0904000000000000" pitchFamily="50" charset="-127"/>
+                <a:ea typeface="나눔고딕 ExtraBold" panose="020D0904000000000000" pitchFamily="50" charset="-127"/>
+              </a:rPr>
+              <a:t>질문 있으신 분</a:t>
+            </a:r>
+            <a:r>
+              <a:rPr lang="en-US" altLang="ko-KR" sz="5000" dirty="0" smtClean="0">
+                <a:latin typeface="나눔고딕 ExtraBold" panose="020D0904000000000000" pitchFamily="50" charset="-127"/>
+                <a:ea typeface="나눔고딕 ExtraBold" panose="020D0904000000000000" pitchFamily="50" charset="-127"/>
+              </a:rPr>
+              <a:t>?!</a:t>
+            </a:r>
+            <a:endParaRPr lang="en-US" sz="5000" dirty="0">
+              <a:latin typeface="나눔고딕 ExtraBold" panose="020D0904000000000000" pitchFamily="50" charset="-127"/>
+              <a:ea typeface="나눔고딕 ExtraBold" panose="020D0904000000000000" pitchFamily="50" charset="-127"/>
+            </a:endParaRPr>
+          </a:p>
+        </p:txBody>
+      </p:sp>
+    </p:spTree>
+    <p:extLst>
+      <p:ext uri="{BB962C8B-B14F-4D97-AF65-F5344CB8AC3E}">
+        <p14:creationId xmlns:p14="http://schemas.microsoft.com/office/powerpoint/2010/main" val="332874096"/>
+      </p:ext>
+    </p:extLst>
+  </p:cSld>
+  <p:clrMapOvr>
+    <a:masterClrMapping/>
+  </p:clrMapOvr>
+  <mc:AlternateContent xmlns:mc="http://schemas.openxmlformats.org/markup-compatibility/2006" xmlns:p14="http://schemas.microsoft.com/office/powerpoint/2010/main">
+    <mc:Choice Requires="p14">
+      <p:transition p14:dur="0"/>
+    </mc:Choice>
+    <mc:Fallback xmlns="">
       <p:transition/>
     </mc:Fallback>
   </mc:AlternateContent>
